--- a/Rascunhos/Imagens/Conhecendo o corpo.pptx
+++ b/Rascunhos/Imagens/Conhecendo o corpo.pptx
@@ -196,7 +196,7 @@
           <a:p>
             <a:fld id="{2C5DBEAC-A5CD-4895-BE27-B8F2E9C3A2BA}" type="datetimeFigureOut">
               <a:rPr lang="pt-BR" smtClean="0"/>
-              <a:t>10/04/2019</a:t>
+              <a:t>11/04/2019</a:t>
             </a:fld>
             <a:endParaRPr lang="pt-BR"/>
           </a:p>
@@ -645,7 +645,7 @@
           <a:p>
             <a:fld id="{C146D2E6-9636-45E2-AD42-D0B48EF14322}" type="datetimeFigureOut">
               <a:rPr lang="pt-BR" smtClean="0"/>
-              <a:t>10/04/2019</a:t>
+              <a:t>11/04/2019</a:t>
             </a:fld>
             <a:endParaRPr lang="pt-BR"/>
           </a:p>
@@ -815,7 +815,7 @@
           <a:p>
             <a:fld id="{C146D2E6-9636-45E2-AD42-D0B48EF14322}" type="datetimeFigureOut">
               <a:rPr lang="pt-BR" smtClean="0"/>
-              <a:t>10/04/2019</a:t>
+              <a:t>11/04/2019</a:t>
             </a:fld>
             <a:endParaRPr lang="pt-BR"/>
           </a:p>
@@ -995,7 +995,7 @@
           <a:p>
             <a:fld id="{C146D2E6-9636-45E2-AD42-D0B48EF14322}" type="datetimeFigureOut">
               <a:rPr lang="pt-BR" smtClean="0"/>
-              <a:t>10/04/2019</a:t>
+              <a:t>11/04/2019</a:t>
             </a:fld>
             <a:endParaRPr lang="pt-BR"/>
           </a:p>
@@ -1165,7 +1165,7 @@
           <a:p>
             <a:fld id="{C146D2E6-9636-45E2-AD42-D0B48EF14322}" type="datetimeFigureOut">
               <a:rPr lang="pt-BR" smtClean="0"/>
-              <a:t>10/04/2019</a:t>
+              <a:t>11/04/2019</a:t>
             </a:fld>
             <a:endParaRPr lang="pt-BR"/>
           </a:p>
@@ -1411,7 +1411,7 @@
           <a:p>
             <a:fld id="{C146D2E6-9636-45E2-AD42-D0B48EF14322}" type="datetimeFigureOut">
               <a:rPr lang="pt-BR" smtClean="0"/>
-              <a:t>10/04/2019</a:t>
+              <a:t>11/04/2019</a:t>
             </a:fld>
             <a:endParaRPr lang="pt-BR"/>
           </a:p>
@@ -1699,7 +1699,7 @@
           <a:p>
             <a:fld id="{C146D2E6-9636-45E2-AD42-D0B48EF14322}" type="datetimeFigureOut">
               <a:rPr lang="pt-BR" smtClean="0"/>
-              <a:t>10/04/2019</a:t>
+              <a:t>11/04/2019</a:t>
             </a:fld>
             <a:endParaRPr lang="pt-BR"/>
           </a:p>
@@ -2121,7 +2121,7 @@
           <a:p>
             <a:fld id="{C146D2E6-9636-45E2-AD42-D0B48EF14322}" type="datetimeFigureOut">
               <a:rPr lang="pt-BR" smtClean="0"/>
-              <a:t>10/04/2019</a:t>
+              <a:t>11/04/2019</a:t>
             </a:fld>
             <a:endParaRPr lang="pt-BR"/>
           </a:p>
@@ -2239,7 +2239,7 @@
           <a:p>
             <a:fld id="{C146D2E6-9636-45E2-AD42-D0B48EF14322}" type="datetimeFigureOut">
               <a:rPr lang="pt-BR" smtClean="0"/>
-              <a:t>10/04/2019</a:t>
+              <a:t>11/04/2019</a:t>
             </a:fld>
             <a:endParaRPr lang="pt-BR"/>
           </a:p>
@@ -2334,7 +2334,7 @@
           <a:p>
             <a:fld id="{C146D2E6-9636-45E2-AD42-D0B48EF14322}" type="datetimeFigureOut">
               <a:rPr lang="pt-BR" smtClean="0"/>
-              <a:t>10/04/2019</a:t>
+              <a:t>11/04/2019</a:t>
             </a:fld>
             <a:endParaRPr lang="pt-BR"/>
           </a:p>
@@ -2611,7 +2611,7 @@
           <a:p>
             <a:fld id="{C146D2E6-9636-45E2-AD42-D0B48EF14322}" type="datetimeFigureOut">
               <a:rPr lang="pt-BR" smtClean="0"/>
-              <a:t>10/04/2019</a:t>
+              <a:t>11/04/2019</a:t>
             </a:fld>
             <a:endParaRPr lang="pt-BR"/>
           </a:p>
@@ -2864,7 +2864,7 @@
           <a:p>
             <a:fld id="{C146D2E6-9636-45E2-AD42-D0B48EF14322}" type="datetimeFigureOut">
               <a:rPr lang="pt-BR" smtClean="0"/>
-              <a:t>10/04/2019</a:t>
+              <a:t>11/04/2019</a:t>
             </a:fld>
             <a:endParaRPr lang="pt-BR"/>
           </a:p>
@@ -3077,7 +3077,7 @@
           <a:p>
             <a:fld id="{C146D2E6-9636-45E2-AD42-D0B48EF14322}" type="datetimeFigureOut">
               <a:rPr lang="pt-BR" smtClean="0"/>
-              <a:t>10/04/2019</a:t>
+              <a:t>11/04/2019</a:t>
             </a:fld>
             <a:endParaRPr lang="pt-BR"/>
           </a:p>
@@ -10724,10 +10724,10 @@
         </p:nvGrpSpPr>
         <p:grpSpPr>
           <a:xfrm>
-            <a:off x="1115616" y="1844167"/>
-            <a:ext cx="5095848" cy="3800387"/>
-            <a:chOff x="4443920" y="1827522"/>
-            <a:chExt cx="5095848" cy="3800387"/>
+            <a:off x="974669" y="1844167"/>
+            <a:ext cx="5236795" cy="3800387"/>
+            <a:chOff x="4302973" y="1827522"/>
+            <a:chExt cx="5236795" cy="3800387"/>
           </a:xfrm>
         </p:grpSpPr>
         <p:sp>
@@ -11020,36 +11020,6 @@
             <a:p>
               <a:pPr algn="ctr"/>
               <a:endParaRPr lang="pt-BR"/>
-            </a:p>
-          </p:txBody>
-        </p:sp>
-        <p:sp>
-          <p:nvSpPr>
-            <p:cNvPr id="14" name="CaixaDeTexto 13"/>
-            <p:cNvSpPr txBox="1"/>
-            <p:nvPr/>
-          </p:nvSpPr>
-          <p:spPr>
-            <a:xfrm>
-              <a:off x="4443920" y="3016649"/>
-              <a:ext cx="1476558" cy="369332"/>
-            </a:xfrm>
-            <a:prstGeom prst="rect">
-              <a:avLst/>
-            </a:prstGeom>
-            <a:noFill/>
-          </p:spPr>
-          <p:txBody>
-            <a:bodyPr wrap="none" rtlCol="0">
-              <a:spAutoFit/>
-            </a:bodyPr>
-            <a:lstStyle/>
-            <a:p>
-              <a:r>
-                <a:rPr lang="pt-BR" dirty="0" smtClean="0"/>
-                <a:t>Bolsa escrotal</a:t>
-              </a:r>
-              <a:endParaRPr lang="pt-BR" dirty="0"/>
             </a:p>
           </p:txBody>
         </p:sp>
@@ -11408,6 +11378,36 @@
             <a:p>
               <a:pPr algn="ctr"/>
               <a:endParaRPr lang="pt-BR"/>
+            </a:p>
+          </p:txBody>
+        </p:sp>
+        <p:sp>
+          <p:nvSpPr>
+            <p:cNvPr id="14" name="CaixaDeTexto 13"/>
+            <p:cNvSpPr txBox="1"/>
+            <p:nvPr/>
+          </p:nvSpPr>
+          <p:spPr>
+            <a:xfrm>
+              <a:off x="4302973" y="3016649"/>
+              <a:ext cx="1476558" cy="369332"/>
+            </a:xfrm>
+            <a:prstGeom prst="rect">
+              <a:avLst/>
+            </a:prstGeom>
+            <a:noFill/>
+          </p:spPr>
+          <p:txBody>
+            <a:bodyPr wrap="none" rtlCol="0">
+              <a:spAutoFit/>
+            </a:bodyPr>
+            <a:lstStyle/>
+            <a:p>
+              <a:r>
+                <a:rPr lang="pt-BR" dirty="0" smtClean="0"/>
+                <a:t>Bolsa escrotal</a:t>
+              </a:r>
+              <a:endParaRPr lang="pt-BR" dirty="0"/>
             </a:p>
           </p:txBody>
         </p:sp>

--- a/Rascunhos/Imagens/Conhecendo o corpo.pptx
+++ b/Rascunhos/Imagens/Conhecendo o corpo.pptx
@@ -5,14 +5,15 @@
     <p:sldMasterId id="2147483648" r:id="rId1"/>
   </p:sldMasterIdLst>
   <p:notesMasterIdLst>
-    <p:notesMasterId r:id="rId7"/>
+    <p:notesMasterId r:id="rId8"/>
   </p:notesMasterIdLst>
   <p:sldIdLst>
-    <p:sldId id="256" r:id="rId2"/>
-    <p:sldId id="257" r:id="rId3"/>
-    <p:sldId id="258" r:id="rId4"/>
-    <p:sldId id="259" r:id="rId5"/>
-    <p:sldId id="260" r:id="rId6"/>
+    <p:sldId id="261" r:id="rId2"/>
+    <p:sldId id="256" r:id="rId3"/>
+    <p:sldId id="257" r:id="rId4"/>
+    <p:sldId id="258" r:id="rId5"/>
+    <p:sldId id="259" r:id="rId6"/>
+    <p:sldId id="260" r:id="rId7"/>
   </p:sldIdLst>
   <p:sldSz cx="9144000" cy="6858000" type="screen4x3"/>
   <p:notesSz cx="6858000" cy="9144000"/>
@@ -196,7 +197,7 @@
           <a:p>
             <a:fld id="{2C5DBEAC-A5CD-4895-BE27-B8F2E9C3A2BA}" type="datetimeFigureOut">
               <a:rPr lang="pt-BR" smtClean="0"/>
-              <a:t>11/04/2019</a:t>
+              <a:t>12/04/2019</a:t>
             </a:fld>
             <a:endParaRPr lang="pt-BR"/>
           </a:p>
@@ -645,7 +646,7 @@
           <a:p>
             <a:fld id="{C146D2E6-9636-45E2-AD42-D0B48EF14322}" type="datetimeFigureOut">
               <a:rPr lang="pt-BR" smtClean="0"/>
-              <a:t>11/04/2019</a:t>
+              <a:t>12/04/2019</a:t>
             </a:fld>
             <a:endParaRPr lang="pt-BR"/>
           </a:p>
@@ -815,7 +816,7 @@
           <a:p>
             <a:fld id="{C146D2E6-9636-45E2-AD42-D0B48EF14322}" type="datetimeFigureOut">
               <a:rPr lang="pt-BR" smtClean="0"/>
-              <a:t>11/04/2019</a:t>
+              <a:t>12/04/2019</a:t>
             </a:fld>
             <a:endParaRPr lang="pt-BR"/>
           </a:p>
@@ -995,7 +996,7 @@
           <a:p>
             <a:fld id="{C146D2E6-9636-45E2-AD42-D0B48EF14322}" type="datetimeFigureOut">
               <a:rPr lang="pt-BR" smtClean="0"/>
-              <a:t>11/04/2019</a:t>
+              <a:t>12/04/2019</a:t>
             </a:fld>
             <a:endParaRPr lang="pt-BR"/>
           </a:p>
@@ -1165,7 +1166,7 @@
           <a:p>
             <a:fld id="{C146D2E6-9636-45E2-AD42-D0B48EF14322}" type="datetimeFigureOut">
               <a:rPr lang="pt-BR" smtClean="0"/>
-              <a:t>11/04/2019</a:t>
+              <a:t>12/04/2019</a:t>
             </a:fld>
             <a:endParaRPr lang="pt-BR"/>
           </a:p>
@@ -1411,7 +1412,7 @@
           <a:p>
             <a:fld id="{C146D2E6-9636-45E2-AD42-D0B48EF14322}" type="datetimeFigureOut">
               <a:rPr lang="pt-BR" smtClean="0"/>
-              <a:t>11/04/2019</a:t>
+              <a:t>12/04/2019</a:t>
             </a:fld>
             <a:endParaRPr lang="pt-BR"/>
           </a:p>
@@ -1699,7 +1700,7 @@
           <a:p>
             <a:fld id="{C146D2E6-9636-45E2-AD42-D0B48EF14322}" type="datetimeFigureOut">
               <a:rPr lang="pt-BR" smtClean="0"/>
-              <a:t>11/04/2019</a:t>
+              <a:t>12/04/2019</a:t>
             </a:fld>
             <a:endParaRPr lang="pt-BR"/>
           </a:p>
@@ -2121,7 +2122,7 @@
           <a:p>
             <a:fld id="{C146D2E6-9636-45E2-AD42-D0B48EF14322}" type="datetimeFigureOut">
               <a:rPr lang="pt-BR" smtClean="0"/>
-              <a:t>11/04/2019</a:t>
+              <a:t>12/04/2019</a:t>
             </a:fld>
             <a:endParaRPr lang="pt-BR"/>
           </a:p>
@@ -2239,7 +2240,7 @@
           <a:p>
             <a:fld id="{C146D2E6-9636-45E2-AD42-D0B48EF14322}" type="datetimeFigureOut">
               <a:rPr lang="pt-BR" smtClean="0"/>
-              <a:t>11/04/2019</a:t>
+              <a:t>12/04/2019</a:t>
             </a:fld>
             <a:endParaRPr lang="pt-BR"/>
           </a:p>
@@ -2334,7 +2335,7 @@
           <a:p>
             <a:fld id="{C146D2E6-9636-45E2-AD42-D0B48EF14322}" type="datetimeFigureOut">
               <a:rPr lang="pt-BR" smtClean="0"/>
-              <a:t>11/04/2019</a:t>
+              <a:t>12/04/2019</a:t>
             </a:fld>
             <a:endParaRPr lang="pt-BR"/>
           </a:p>
@@ -2611,7 +2612,7 @@
           <a:p>
             <a:fld id="{C146D2E6-9636-45E2-AD42-D0B48EF14322}" type="datetimeFigureOut">
               <a:rPr lang="pt-BR" smtClean="0"/>
-              <a:t>11/04/2019</a:t>
+              <a:t>12/04/2019</a:t>
             </a:fld>
             <a:endParaRPr lang="pt-BR"/>
           </a:p>
@@ -2864,7 +2865,7 @@
           <a:p>
             <a:fld id="{C146D2E6-9636-45E2-AD42-D0B48EF14322}" type="datetimeFigureOut">
               <a:rPr lang="pt-BR" smtClean="0"/>
-              <a:t>11/04/2019</a:t>
+              <a:t>12/04/2019</a:t>
             </a:fld>
             <a:endParaRPr lang="pt-BR"/>
           </a:p>
@@ -3077,7 +3078,7 @@
           <a:p>
             <a:fld id="{C146D2E6-9636-45E2-AD42-D0B48EF14322}" type="datetimeFigureOut">
               <a:rPr lang="pt-BR" smtClean="0"/>
-              <a:t>11/04/2019</a:t>
+              <a:t>12/04/2019</a:t>
             </a:fld>
             <a:endParaRPr lang="pt-BR"/>
           </a:p>
@@ -3436,6 +3437,2189 @@
 </file>
 
 <file path=ppt/slides/slide1.xml><?xml version="1.0" encoding="utf-8"?>
+<p:sld xmlns:a="http://schemas.openxmlformats.org/drawingml/2006/main" xmlns:r="http://schemas.openxmlformats.org/officeDocument/2006/relationships" xmlns:p="http://schemas.openxmlformats.org/presentationml/2006/main">
+  <p:cSld>
+    <p:spTree>
+      <p:nvGrpSpPr>
+        <p:cNvPr id="1" name=""/>
+        <p:cNvGrpSpPr/>
+        <p:nvPr/>
+      </p:nvGrpSpPr>
+      <p:grpSpPr>
+        <a:xfrm>
+          <a:off x="0" y="0"/>
+          <a:ext cx="0" cy="0"/>
+          <a:chOff x="0" y="0"/>
+          <a:chExt cx="0" cy="0"/>
+        </a:xfrm>
+      </p:grpSpPr>
+      <p:grpSp>
+        <p:nvGrpSpPr>
+          <p:cNvPr id="50" name="Grupo 49"/>
+          <p:cNvGrpSpPr/>
+          <p:nvPr/>
+        </p:nvGrpSpPr>
+        <p:grpSpPr>
+          <a:xfrm>
+            <a:off x="-253188" y="1725573"/>
+            <a:ext cx="9957472" cy="2828061"/>
+            <a:chOff x="-253188" y="1725573"/>
+            <a:chExt cx="9957472" cy="2828061"/>
+          </a:xfrm>
+        </p:grpSpPr>
+        <p:sp>
+          <p:nvSpPr>
+            <p:cNvPr id="4" name="Retângulo 3">
+              <a:extLst>
+                <a:ext uri="{FF2B5EF4-FFF2-40B4-BE49-F238E27FC236}">
+                  <a16:creationId xmlns="" xmlns:a16="http://schemas.microsoft.com/office/drawing/2014/main" id="{22D3461F-A14E-4642-A041-9CC09656F8CD}"/>
+                </a:ext>
+              </a:extLst>
+            </p:cNvPr>
+            <p:cNvSpPr/>
+            <p:nvPr/>
+          </p:nvSpPr>
+          <p:spPr>
+            <a:xfrm>
+              <a:off x="-253188" y="1725573"/>
+              <a:ext cx="9957472" cy="2781139"/>
+            </a:xfrm>
+            <a:prstGeom prst="rect">
+              <a:avLst/>
+            </a:prstGeom>
+            <a:solidFill>
+              <a:srgbClr val="EC407A"/>
+            </a:solidFill>
+            <a:ln>
+              <a:noFill/>
+            </a:ln>
+          </p:spPr>
+          <p:style>
+            <a:lnRef idx="2">
+              <a:schemeClr val="accent1">
+                <a:shade val="50000"/>
+              </a:schemeClr>
+            </a:lnRef>
+            <a:fillRef idx="1">
+              <a:schemeClr val="accent1"/>
+            </a:fillRef>
+            <a:effectRef idx="0">
+              <a:schemeClr val="accent1"/>
+            </a:effectRef>
+            <a:fontRef idx="minor">
+              <a:schemeClr val="lt1"/>
+            </a:fontRef>
+          </p:style>
+          <p:txBody>
+            <a:bodyPr rtlCol="0" anchor="ctr"/>
+            <a:lstStyle/>
+            <a:p>
+              <a:pPr algn="ctr"/>
+              <a:endParaRPr lang="pt-BR" dirty="0"/>
+            </a:p>
+          </p:txBody>
+        </p:sp>
+        <p:grpSp>
+          <p:nvGrpSpPr>
+            <p:cNvPr id="5" name="Grupo 4"/>
+            <p:cNvGrpSpPr/>
+            <p:nvPr/>
+          </p:nvGrpSpPr>
+          <p:grpSpPr>
+            <a:xfrm>
+              <a:off x="166590" y="1757999"/>
+              <a:ext cx="2024576" cy="2795635"/>
+              <a:chOff x="4712751" y="1268760"/>
+              <a:chExt cx="3165243" cy="4370723"/>
+            </a:xfrm>
+          </p:grpSpPr>
+          <p:sp>
+            <p:nvSpPr>
+              <p:cNvPr id="6" name="Elipse 5"/>
+              <p:cNvSpPr/>
+              <p:nvPr/>
+            </p:nvSpPr>
+            <p:spPr>
+              <a:xfrm>
+                <a:off x="5220072" y="1268760"/>
+                <a:ext cx="2657922" cy="2657922"/>
+              </a:xfrm>
+              <a:prstGeom prst="ellipse">
+                <a:avLst/>
+              </a:prstGeom>
+              <a:solidFill>
+                <a:srgbClr val="F177A0"/>
+              </a:solidFill>
+              <a:ln>
+                <a:noFill/>
+              </a:ln>
+            </p:spPr>
+            <p:style>
+              <a:lnRef idx="2">
+                <a:schemeClr val="accent1">
+                  <a:shade val="50000"/>
+                </a:schemeClr>
+              </a:lnRef>
+              <a:fillRef idx="1">
+                <a:schemeClr val="accent1"/>
+              </a:fillRef>
+              <a:effectRef idx="0">
+                <a:schemeClr val="accent1"/>
+              </a:effectRef>
+              <a:fontRef idx="minor">
+                <a:schemeClr val="lt1"/>
+              </a:fontRef>
+            </p:style>
+            <p:txBody>
+              <a:bodyPr rtlCol="0" anchor="ctr"/>
+              <a:lstStyle/>
+              <a:p>
+                <a:pPr algn="ctr"/>
+                <a:endParaRPr lang="pt-BR"/>
+              </a:p>
+            </p:txBody>
+          </p:sp>
+          <p:sp>
+            <p:nvSpPr>
+              <p:cNvPr id="7" name="Elipse 6"/>
+              <p:cNvSpPr/>
+              <p:nvPr/>
+            </p:nvSpPr>
+            <p:spPr>
+              <a:xfrm>
+                <a:off x="5742633" y="1791321"/>
+                <a:ext cx="1612801" cy="1612801"/>
+              </a:xfrm>
+              <a:prstGeom prst="ellipse">
+                <a:avLst/>
+              </a:prstGeom>
+              <a:solidFill>
+                <a:srgbClr val="ED5588"/>
+              </a:solidFill>
+              <a:ln>
+                <a:noFill/>
+              </a:ln>
+            </p:spPr>
+            <p:style>
+              <a:lnRef idx="2">
+                <a:schemeClr val="accent1">
+                  <a:shade val="50000"/>
+                </a:schemeClr>
+              </a:lnRef>
+              <a:fillRef idx="1">
+                <a:schemeClr val="accent1"/>
+              </a:fillRef>
+              <a:effectRef idx="0">
+                <a:schemeClr val="accent1"/>
+              </a:effectRef>
+              <a:fontRef idx="minor">
+                <a:schemeClr val="lt1"/>
+              </a:fontRef>
+            </p:style>
+            <p:txBody>
+              <a:bodyPr rtlCol="0" anchor="ctr"/>
+              <a:lstStyle/>
+              <a:p>
+                <a:pPr algn="ctr"/>
+                <a:endParaRPr lang="pt-BR"/>
+              </a:p>
+            </p:txBody>
+          </p:sp>
+          <p:grpSp>
+            <p:nvGrpSpPr>
+              <p:cNvPr id="8" name="Grupo 7"/>
+              <p:cNvGrpSpPr/>
+              <p:nvPr/>
+            </p:nvGrpSpPr>
+            <p:grpSpPr>
+              <a:xfrm rot="2044970">
+                <a:off x="5271360" y="2880109"/>
+                <a:ext cx="593598" cy="2314614"/>
+                <a:chOff x="5328050" y="3147065"/>
+                <a:chExt cx="593598" cy="2314613"/>
+              </a:xfrm>
+            </p:grpSpPr>
+            <p:sp>
+              <p:nvSpPr>
+                <p:cNvPr id="17" name="Forma livre 16"/>
+                <p:cNvSpPr/>
+                <p:nvPr/>
+              </p:nvSpPr>
+              <p:spPr>
+                <a:xfrm>
+                  <a:off x="5483241" y="3987263"/>
+                  <a:ext cx="259392" cy="1474415"/>
+                </a:xfrm>
+                <a:custGeom>
+                  <a:avLst/>
+                  <a:gdLst>
+                    <a:gd name="connsiteX0" fmla="*/ 14 w 259392"/>
+                    <a:gd name="connsiteY0" fmla="*/ 18995 h 1474415"/>
+                    <a:gd name="connsiteX1" fmla="*/ 121934 w 259392"/>
+                    <a:gd name="connsiteY1" fmla="*/ 209495 h 1474415"/>
+                    <a:gd name="connsiteX2" fmla="*/ 60974 w 259392"/>
+                    <a:gd name="connsiteY2" fmla="*/ 460955 h 1474415"/>
+                    <a:gd name="connsiteX3" fmla="*/ 167654 w 259392"/>
+                    <a:gd name="connsiteY3" fmla="*/ 727655 h 1474415"/>
+                    <a:gd name="connsiteX4" fmla="*/ 7634 w 259392"/>
+                    <a:gd name="connsiteY4" fmla="*/ 1055315 h 1474415"/>
+                    <a:gd name="connsiteX5" fmla="*/ 114314 w 259392"/>
+                    <a:gd name="connsiteY5" fmla="*/ 1352495 h 1474415"/>
+                    <a:gd name="connsiteX6" fmla="*/ 76214 w 259392"/>
+                    <a:gd name="connsiteY6" fmla="*/ 1474415 h 1474415"/>
+                    <a:gd name="connsiteX7" fmla="*/ 205754 w 259392"/>
+                    <a:gd name="connsiteY7" fmla="*/ 1352495 h 1474415"/>
+                    <a:gd name="connsiteX8" fmla="*/ 106694 w 259392"/>
+                    <a:gd name="connsiteY8" fmla="*/ 1139135 h 1474415"/>
+                    <a:gd name="connsiteX9" fmla="*/ 251474 w 259392"/>
+                    <a:gd name="connsiteY9" fmla="*/ 834335 h 1474415"/>
+                    <a:gd name="connsiteX10" fmla="*/ 228614 w 259392"/>
+                    <a:gd name="connsiteY10" fmla="*/ 537155 h 1474415"/>
+                    <a:gd name="connsiteX11" fmla="*/ 129554 w 259392"/>
+                    <a:gd name="connsiteY11" fmla="*/ 445715 h 1474415"/>
+                    <a:gd name="connsiteX12" fmla="*/ 213374 w 259392"/>
+                    <a:gd name="connsiteY12" fmla="*/ 224735 h 1474415"/>
+                    <a:gd name="connsiteX13" fmla="*/ 114314 w 259392"/>
+                    <a:gd name="connsiteY13" fmla="*/ 26615 h 1474415"/>
+                    <a:gd name="connsiteX14" fmla="*/ 14 w 259392"/>
+                    <a:gd name="connsiteY14" fmla="*/ 18995 h 1474415"/>
+                  </a:gdLst>
+                  <a:ahLst/>
+                  <a:cxnLst>
+                    <a:cxn ang="0">
+                      <a:pos x="connsiteX0" y="connsiteY0"/>
+                    </a:cxn>
+                    <a:cxn ang="0">
+                      <a:pos x="connsiteX1" y="connsiteY1"/>
+                    </a:cxn>
+                    <a:cxn ang="0">
+                      <a:pos x="connsiteX2" y="connsiteY2"/>
+                    </a:cxn>
+                    <a:cxn ang="0">
+                      <a:pos x="connsiteX3" y="connsiteY3"/>
+                    </a:cxn>
+                    <a:cxn ang="0">
+                      <a:pos x="connsiteX4" y="connsiteY4"/>
+                    </a:cxn>
+                    <a:cxn ang="0">
+                      <a:pos x="connsiteX5" y="connsiteY5"/>
+                    </a:cxn>
+                    <a:cxn ang="0">
+                      <a:pos x="connsiteX6" y="connsiteY6"/>
+                    </a:cxn>
+                    <a:cxn ang="0">
+                      <a:pos x="connsiteX7" y="connsiteY7"/>
+                    </a:cxn>
+                    <a:cxn ang="0">
+                      <a:pos x="connsiteX8" y="connsiteY8"/>
+                    </a:cxn>
+                    <a:cxn ang="0">
+                      <a:pos x="connsiteX9" y="connsiteY9"/>
+                    </a:cxn>
+                    <a:cxn ang="0">
+                      <a:pos x="connsiteX10" y="connsiteY10"/>
+                    </a:cxn>
+                    <a:cxn ang="0">
+                      <a:pos x="connsiteX11" y="connsiteY11"/>
+                    </a:cxn>
+                    <a:cxn ang="0">
+                      <a:pos x="connsiteX12" y="connsiteY12"/>
+                    </a:cxn>
+                    <a:cxn ang="0">
+                      <a:pos x="connsiteX13" y="connsiteY13"/>
+                    </a:cxn>
+                    <a:cxn ang="0">
+                      <a:pos x="connsiteX14" y="connsiteY14"/>
+                    </a:cxn>
+                  </a:cxnLst>
+                  <a:rect l="l" t="t" r="r" b="b"/>
+                  <a:pathLst>
+                    <a:path w="259392" h="1474415">
+                      <a:moveTo>
+                        <a:pt x="14" y="18995"/>
+                      </a:moveTo>
+                      <a:cubicBezTo>
+                        <a:pt x="1284" y="49475"/>
+                        <a:pt x="111774" y="135835"/>
+                        <a:pt x="121934" y="209495"/>
+                      </a:cubicBezTo>
+                      <a:cubicBezTo>
+                        <a:pt x="132094" y="283155"/>
+                        <a:pt x="53354" y="374595"/>
+                        <a:pt x="60974" y="460955"/>
+                      </a:cubicBezTo>
+                      <a:cubicBezTo>
+                        <a:pt x="68594" y="547315"/>
+                        <a:pt x="176544" y="628595"/>
+                        <a:pt x="167654" y="727655"/>
+                      </a:cubicBezTo>
+                      <a:cubicBezTo>
+                        <a:pt x="158764" y="826715"/>
+                        <a:pt x="16524" y="951175"/>
+                        <a:pt x="7634" y="1055315"/>
+                      </a:cubicBezTo>
+                      <a:cubicBezTo>
+                        <a:pt x="-1256" y="1159455"/>
+                        <a:pt x="102884" y="1282645"/>
+                        <a:pt x="114314" y="1352495"/>
+                      </a:cubicBezTo>
+                      <a:cubicBezTo>
+                        <a:pt x="125744" y="1422345"/>
+                        <a:pt x="60974" y="1474415"/>
+                        <a:pt x="76214" y="1474415"/>
+                      </a:cubicBezTo>
+                      <a:cubicBezTo>
+                        <a:pt x="91454" y="1474415"/>
+                        <a:pt x="200674" y="1408375"/>
+                        <a:pt x="205754" y="1352495"/>
+                      </a:cubicBezTo>
+                      <a:cubicBezTo>
+                        <a:pt x="210834" y="1296615"/>
+                        <a:pt x="99074" y="1225495"/>
+                        <a:pt x="106694" y="1139135"/>
+                      </a:cubicBezTo>
+                      <a:cubicBezTo>
+                        <a:pt x="114314" y="1052775"/>
+                        <a:pt x="231154" y="934665"/>
+                        <a:pt x="251474" y="834335"/>
+                      </a:cubicBezTo>
+                      <a:cubicBezTo>
+                        <a:pt x="271794" y="734005"/>
+                        <a:pt x="248934" y="601925"/>
+                        <a:pt x="228614" y="537155"/>
+                      </a:cubicBezTo>
+                      <a:cubicBezTo>
+                        <a:pt x="208294" y="472385"/>
+                        <a:pt x="132094" y="497785"/>
+                        <a:pt x="129554" y="445715"/>
+                      </a:cubicBezTo>
+                      <a:cubicBezTo>
+                        <a:pt x="127014" y="393645"/>
+                        <a:pt x="215914" y="294585"/>
+                        <a:pt x="213374" y="224735"/>
+                      </a:cubicBezTo>
+                      <a:cubicBezTo>
+                        <a:pt x="210834" y="154885"/>
+                        <a:pt x="148604" y="55825"/>
+                        <a:pt x="114314" y="26615"/>
+                      </a:cubicBezTo>
+                      <a:cubicBezTo>
+                        <a:pt x="80024" y="-2595"/>
+                        <a:pt x="-1256" y="-11485"/>
+                        <a:pt x="14" y="18995"/>
+                      </a:cubicBezTo>
+                      <a:close/>
+                    </a:path>
+                  </a:pathLst>
+                </a:custGeom>
+                <a:solidFill>
+                  <a:srgbClr val="E6185D"/>
+                </a:solidFill>
+                <a:ln>
+                  <a:noFill/>
+                </a:ln>
+              </p:spPr>
+              <p:style>
+                <a:lnRef idx="2">
+                  <a:schemeClr val="accent1">
+                    <a:shade val="50000"/>
+                  </a:schemeClr>
+                </a:lnRef>
+                <a:fillRef idx="1">
+                  <a:schemeClr val="accent1"/>
+                </a:fillRef>
+                <a:effectRef idx="0">
+                  <a:schemeClr val="accent1"/>
+                </a:effectRef>
+                <a:fontRef idx="minor">
+                  <a:schemeClr val="lt1"/>
+                </a:fontRef>
+              </p:style>
+              <p:txBody>
+                <a:bodyPr rtlCol="0" anchor="ctr"/>
+                <a:lstStyle/>
+                <a:p>
+                  <a:pPr algn="ctr"/>
+                  <a:endParaRPr lang="pt-BR"/>
+                </a:p>
+              </p:txBody>
+            </p:sp>
+            <p:sp>
+              <p:nvSpPr>
+                <p:cNvPr id="18" name="Elipse 17"/>
+                <p:cNvSpPr/>
+                <p:nvPr/>
+              </p:nvSpPr>
+              <p:spPr>
+                <a:xfrm>
+                  <a:off x="5480833" y="3966303"/>
+                  <a:ext cx="288032" cy="234575"/>
+                </a:xfrm>
+                <a:prstGeom prst="ellipse">
+                  <a:avLst/>
+                </a:prstGeom>
+                <a:solidFill>
+                  <a:srgbClr val="EE588A"/>
+                </a:solidFill>
+                <a:ln>
+                  <a:noFill/>
+                </a:ln>
+              </p:spPr>
+              <p:style>
+                <a:lnRef idx="2">
+                  <a:schemeClr val="accent1">
+                    <a:shade val="50000"/>
+                  </a:schemeClr>
+                </a:lnRef>
+                <a:fillRef idx="1">
+                  <a:schemeClr val="accent1"/>
+                </a:fillRef>
+                <a:effectRef idx="0">
+                  <a:schemeClr val="accent1"/>
+                </a:effectRef>
+                <a:fontRef idx="minor">
+                  <a:schemeClr val="lt1"/>
+                </a:fontRef>
+              </p:style>
+              <p:txBody>
+                <a:bodyPr rtlCol="0" anchor="ctr"/>
+                <a:lstStyle/>
+                <a:p>
+                  <a:pPr algn="ctr"/>
+                  <a:endParaRPr lang="pt-BR"/>
+                </a:p>
+              </p:txBody>
+            </p:sp>
+            <p:sp>
+              <p:nvSpPr>
+                <p:cNvPr id="19" name="Elipse 18"/>
+                <p:cNvSpPr/>
+                <p:nvPr/>
+              </p:nvSpPr>
+              <p:spPr>
+                <a:xfrm rot="16200000">
+                  <a:off x="5156586" y="3318529"/>
+                  <a:ext cx="936526" cy="593598"/>
+                </a:xfrm>
+                <a:prstGeom prst="ellipse">
+                  <a:avLst/>
+                </a:prstGeom>
+                <a:solidFill>
+                  <a:srgbClr val="E6185D"/>
+                </a:solidFill>
+                <a:ln>
+                  <a:noFill/>
+                </a:ln>
+              </p:spPr>
+              <p:style>
+                <a:lnRef idx="2">
+                  <a:schemeClr val="accent1">
+                    <a:shade val="50000"/>
+                  </a:schemeClr>
+                </a:lnRef>
+                <a:fillRef idx="1">
+                  <a:schemeClr val="accent1"/>
+                </a:fillRef>
+                <a:effectRef idx="0">
+                  <a:schemeClr val="accent1"/>
+                </a:effectRef>
+                <a:fontRef idx="minor">
+                  <a:schemeClr val="lt1"/>
+                </a:fontRef>
+              </p:style>
+              <p:txBody>
+                <a:bodyPr rtlCol="0" anchor="ctr"/>
+                <a:lstStyle/>
+                <a:p>
+                  <a:pPr algn="ctr"/>
+                  <a:endParaRPr lang="pt-BR"/>
+                </a:p>
+              </p:txBody>
+            </p:sp>
+          </p:grpSp>
+          <p:grpSp>
+            <p:nvGrpSpPr>
+              <p:cNvPr id="9" name="Grupo 8"/>
+              <p:cNvGrpSpPr/>
+              <p:nvPr/>
+            </p:nvGrpSpPr>
+            <p:grpSpPr>
+              <a:xfrm rot="2044970">
+                <a:off x="4712751" y="2908588"/>
+                <a:ext cx="471311" cy="1837782"/>
+                <a:chOff x="5328050" y="3147065"/>
+                <a:chExt cx="593598" cy="2314613"/>
+              </a:xfrm>
+            </p:grpSpPr>
+            <p:sp>
+              <p:nvSpPr>
+                <p:cNvPr id="14" name="Forma livre 13"/>
+                <p:cNvSpPr/>
+                <p:nvPr/>
+              </p:nvSpPr>
+              <p:spPr>
+                <a:xfrm>
+                  <a:off x="5483241" y="3987263"/>
+                  <a:ext cx="259392" cy="1474415"/>
+                </a:xfrm>
+                <a:custGeom>
+                  <a:avLst/>
+                  <a:gdLst>
+                    <a:gd name="connsiteX0" fmla="*/ 14 w 259392"/>
+                    <a:gd name="connsiteY0" fmla="*/ 18995 h 1474415"/>
+                    <a:gd name="connsiteX1" fmla="*/ 121934 w 259392"/>
+                    <a:gd name="connsiteY1" fmla="*/ 209495 h 1474415"/>
+                    <a:gd name="connsiteX2" fmla="*/ 60974 w 259392"/>
+                    <a:gd name="connsiteY2" fmla="*/ 460955 h 1474415"/>
+                    <a:gd name="connsiteX3" fmla="*/ 167654 w 259392"/>
+                    <a:gd name="connsiteY3" fmla="*/ 727655 h 1474415"/>
+                    <a:gd name="connsiteX4" fmla="*/ 7634 w 259392"/>
+                    <a:gd name="connsiteY4" fmla="*/ 1055315 h 1474415"/>
+                    <a:gd name="connsiteX5" fmla="*/ 114314 w 259392"/>
+                    <a:gd name="connsiteY5" fmla="*/ 1352495 h 1474415"/>
+                    <a:gd name="connsiteX6" fmla="*/ 76214 w 259392"/>
+                    <a:gd name="connsiteY6" fmla="*/ 1474415 h 1474415"/>
+                    <a:gd name="connsiteX7" fmla="*/ 205754 w 259392"/>
+                    <a:gd name="connsiteY7" fmla="*/ 1352495 h 1474415"/>
+                    <a:gd name="connsiteX8" fmla="*/ 106694 w 259392"/>
+                    <a:gd name="connsiteY8" fmla="*/ 1139135 h 1474415"/>
+                    <a:gd name="connsiteX9" fmla="*/ 251474 w 259392"/>
+                    <a:gd name="connsiteY9" fmla="*/ 834335 h 1474415"/>
+                    <a:gd name="connsiteX10" fmla="*/ 228614 w 259392"/>
+                    <a:gd name="connsiteY10" fmla="*/ 537155 h 1474415"/>
+                    <a:gd name="connsiteX11" fmla="*/ 129554 w 259392"/>
+                    <a:gd name="connsiteY11" fmla="*/ 445715 h 1474415"/>
+                    <a:gd name="connsiteX12" fmla="*/ 213374 w 259392"/>
+                    <a:gd name="connsiteY12" fmla="*/ 224735 h 1474415"/>
+                    <a:gd name="connsiteX13" fmla="*/ 114314 w 259392"/>
+                    <a:gd name="connsiteY13" fmla="*/ 26615 h 1474415"/>
+                    <a:gd name="connsiteX14" fmla="*/ 14 w 259392"/>
+                    <a:gd name="connsiteY14" fmla="*/ 18995 h 1474415"/>
+                  </a:gdLst>
+                  <a:ahLst/>
+                  <a:cxnLst>
+                    <a:cxn ang="0">
+                      <a:pos x="connsiteX0" y="connsiteY0"/>
+                    </a:cxn>
+                    <a:cxn ang="0">
+                      <a:pos x="connsiteX1" y="connsiteY1"/>
+                    </a:cxn>
+                    <a:cxn ang="0">
+                      <a:pos x="connsiteX2" y="connsiteY2"/>
+                    </a:cxn>
+                    <a:cxn ang="0">
+                      <a:pos x="connsiteX3" y="connsiteY3"/>
+                    </a:cxn>
+                    <a:cxn ang="0">
+                      <a:pos x="connsiteX4" y="connsiteY4"/>
+                    </a:cxn>
+                    <a:cxn ang="0">
+                      <a:pos x="connsiteX5" y="connsiteY5"/>
+                    </a:cxn>
+                    <a:cxn ang="0">
+                      <a:pos x="connsiteX6" y="connsiteY6"/>
+                    </a:cxn>
+                    <a:cxn ang="0">
+                      <a:pos x="connsiteX7" y="connsiteY7"/>
+                    </a:cxn>
+                    <a:cxn ang="0">
+                      <a:pos x="connsiteX8" y="connsiteY8"/>
+                    </a:cxn>
+                    <a:cxn ang="0">
+                      <a:pos x="connsiteX9" y="connsiteY9"/>
+                    </a:cxn>
+                    <a:cxn ang="0">
+                      <a:pos x="connsiteX10" y="connsiteY10"/>
+                    </a:cxn>
+                    <a:cxn ang="0">
+                      <a:pos x="connsiteX11" y="connsiteY11"/>
+                    </a:cxn>
+                    <a:cxn ang="0">
+                      <a:pos x="connsiteX12" y="connsiteY12"/>
+                    </a:cxn>
+                    <a:cxn ang="0">
+                      <a:pos x="connsiteX13" y="connsiteY13"/>
+                    </a:cxn>
+                    <a:cxn ang="0">
+                      <a:pos x="connsiteX14" y="connsiteY14"/>
+                    </a:cxn>
+                  </a:cxnLst>
+                  <a:rect l="l" t="t" r="r" b="b"/>
+                  <a:pathLst>
+                    <a:path w="259392" h="1474415">
+                      <a:moveTo>
+                        <a:pt x="14" y="18995"/>
+                      </a:moveTo>
+                      <a:cubicBezTo>
+                        <a:pt x="1284" y="49475"/>
+                        <a:pt x="111774" y="135835"/>
+                        <a:pt x="121934" y="209495"/>
+                      </a:cubicBezTo>
+                      <a:cubicBezTo>
+                        <a:pt x="132094" y="283155"/>
+                        <a:pt x="53354" y="374595"/>
+                        <a:pt x="60974" y="460955"/>
+                      </a:cubicBezTo>
+                      <a:cubicBezTo>
+                        <a:pt x="68594" y="547315"/>
+                        <a:pt x="176544" y="628595"/>
+                        <a:pt x="167654" y="727655"/>
+                      </a:cubicBezTo>
+                      <a:cubicBezTo>
+                        <a:pt x="158764" y="826715"/>
+                        <a:pt x="16524" y="951175"/>
+                        <a:pt x="7634" y="1055315"/>
+                      </a:cubicBezTo>
+                      <a:cubicBezTo>
+                        <a:pt x="-1256" y="1159455"/>
+                        <a:pt x="102884" y="1282645"/>
+                        <a:pt x="114314" y="1352495"/>
+                      </a:cubicBezTo>
+                      <a:cubicBezTo>
+                        <a:pt x="125744" y="1422345"/>
+                        <a:pt x="60974" y="1474415"/>
+                        <a:pt x="76214" y="1474415"/>
+                      </a:cubicBezTo>
+                      <a:cubicBezTo>
+                        <a:pt x="91454" y="1474415"/>
+                        <a:pt x="200674" y="1408375"/>
+                        <a:pt x="205754" y="1352495"/>
+                      </a:cubicBezTo>
+                      <a:cubicBezTo>
+                        <a:pt x="210834" y="1296615"/>
+                        <a:pt x="99074" y="1225495"/>
+                        <a:pt x="106694" y="1139135"/>
+                      </a:cubicBezTo>
+                      <a:cubicBezTo>
+                        <a:pt x="114314" y="1052775"/>
+                        <a:pt x="231154" y="934665"/>
+                        <a:pt x="251474" y="834335"/>
+                      </a:cubicBezTo>
+                      <a:cubicBezTo>
+                        <a:pt x="271794" y="734005"/>
+                        <a:pt x="248934" y="601925"/>
+                        <a:pt x="228614" y="537155"/>
+                      </a:cubicBezTo>
+                      <a:cubicBezTo>
+                        <a:pt x="208294" y="472385"/>
+                        <a:pt x="132094" y="497785"/>
+                        <a:pt x="129554" y="445715"/>
+                      </a:cubicBezTo>
+                      <a:cubicBezTo>
+                        <a:pt x="127014" y="393645"/>
+                        <a:pt x="215914" y="294585"/>
+                        <a:pt x="213374" y="224735"/>
+                      </a:cubicBezTo>
+                      <a:cubicBezTo>
+                        <a:pt x="210834" y="154885"/>
+                        <a:pt x="148604" y="55825"/>
+                        <a:pt x="114314" y="26615"/>
+                      </a:cubicBezTo>
+                      <a:cubicBezTo>
+                        <a:pt x="80024" y="-2595"/>
+                        <a:pt x="-1256" y="-11485"/>
+                        <a:pt x="14" y="18995"/>
+                      </a:cubicBezTo>
+                      <a:close/>
+                    </a:path>
+                  </a:pathLst>
+                </a:custGeom>
+                <a:solidFill>
+                  <a:srgbClr val="E6185D"/>
+                </a:solidFill>
+                <a:ln>
+                  <a:noFill/>
+                </a:ln>
+              </p:spPr>
+              <p:style>
+                <a:lnRef idx="2">
+                  <a:schemeClr val="accent1">
+                    <a:shade val="50000"/>
+                  </a:schemeClr>
+                </a:lnRef>
+                <a:fillRef idx="1">
+                  <a:schemeClr val="accent1"/>
+                </a:fillRef>
+                <a:effectRef idx="0">
+                  <a:schemeClr val="accent1"/>
+                </a:effectRef>
+                <a:fontRef idx="minor">
+                  <a:schemeClr val="lt1"/>
+                </a:fontRef>
+              </p:style>
+              <p:txBody>
+                <a:bodyPr rtlCol="0" anchor="ctr"/>
+                <a:lstStyle/>
+                <a:p>
+                  <a:pPr algn="ctr"/>
+                  <a:endParaRPr lang="pt-BR"/>
+                </a:p>
+              </p:txBody>
+            </p:sp>
+            <p:sp>
+              <p:nvSpPr>
+                <p:cNvPr id="15" name="Elipse 14"/>
+                <p:cNvSpPr/>
+                <p:nvPr/>
+              </p:nvSpPr>
+              <p:spPr>
+                <a:xfrm>
+                  <a:off x="5480833" y="3966303"/>
+                  <a:ext cx="288032" cy="234575"/>
+                </a:xfrm>
+                <a:prstGeom prst="ellipse">
+                  <a:avLst/>
+                </a:prstGeom>
+                <a:solidFill>
+                  <a:srgbClr val="EE588A"/>
+                </a:solidFill>
+                <a:ln>
+                  <a:noFill/>
+                </a:ln>
+              </p:spPr>
+              <p:style>
+                <a:lnRef idx="2">
+                  <a:schemeClr val="accent1">
+                    <a:shade val="50000"/>
+                  </a:schemeClr>
+                </a:lnRef>
+                <a:fillRef idx="1">
+                  <a:schemeClr val="accent1"/>
+                </a:fillRef>
+                <a:effectRef idx="0">
+                  <a:schemeClr val="accent1"/>
+                </a:effectRef>
+                <a:fontRef idx="minor">
+                  <a:schemeClr val="lt1"/>
+                </a:fontRef>
+              </p:style>
+              <p:txBody>
+                <a:bodyPr rtlCol="0" anchor="ctr"/>
+                <a:lstStyle/>
+                <a:p>
+                  <a:pPr algn="ctr"/>
+                  <a:endParaRPr lang="pt-BR"/>
+                </a:p>
+              </p:txBody>
+            </p:sp>
+            <p:sp>
+              <p:nvSpPr>
+                <p:cNvPr id="16" name="Elipse 15"/>
+                <p:cNvSpPr/>
+                <p:nvPr/>
+              </p:nvSpPr>
+              <p:spPr>
+                <a:xfrm rot="16200000">
+                  <a:off x="5156586" y="3318529"/>
+                  <a:ext cx="936526" cy="593598"/>
+                </a:xfrm>
+                <a:prstGeom prst="ellipse">
+                  <a:avLst/>
+                </a:prstGeom>
+                <a:solidFill>
+                  <a:srgbClr val="E6185D"/>
+                </a:solidFill>
+                <a:ln>
+                  <a:noFill/>
+                </a:ln>
+              </p:spPr>
+              <p:style>
+                <a:lnRef idx="2">
+                  <a:schemeClr val="accent1">
+                    <a:shade val="50000"/>
+                  </a:schemeClr>
+                </a:lnRef>
+                <a:fillRef idx="1">
+                  <a:schemeClr val="accent1"/>
+                </a:fillRef>
+                <a:effectRef idx="0">
+                  <a:schemeClr val="accent1"/>
+                </a:effectRef>
+                <a:fontRef idx="minor">
+                  <a:schemeClr val="lt1"/>
+                </a:fontRef>
+              </p:style>
+              <p:txBody>
+                <a:bodyPr rtlCol="0" anchor="ctr"/>
+                <a:lstStyle/>
+                <a:p>
+                  <a:pPr algn="ctr"/>
+                  <a:endParaRPr lang="pt-BR"/>
+                </a:p>
+              </p:txBody>
+            </p:sp>
+          </p:grpSp>
+          <p:grpSp>
+            <p:nvGrpSpPr>
+              <p:cNvPr id="10" name="Grupo 9"/>
+              <p:cNvGrpSpPr/>
+              <p:nvPr/>
+            </p:nvGrpSpPr>
+            <p:grpSpPr>
+              <a:xfrm rot="2044970">
+                <a:off x="5465961" y="3801701"/>
+                <a:ext cx="471311" cy="1837782"/>
+                <a:chOff x="5328050" y="3147065"/>
+                <a:chExt cx="593598" cy="2314613"/>
+              </a:xfrm>
+            </p:grpSpPr>
+            <p:sp>
+              <p:nvSpPr>
+                <p:cNvPr id="11" name="Forma livre 10"/>
+                <p:cNvSpPr/>
+                <p:nvPr/>
+              </p:nvSpPr>
+              <p:spPr>
+                <a:xfrm>
+                  <a:off x="5483241" y="3987263"/>
+                  <a:ext cx="259392" cy="1474415"/>
+                </a:xfrm>
+                <a:custGeom>
+                  <a:avLst/>
+                  <a:gdLst>
+                    <a:gd name="connsiteX0" fmla="*/ 14 w 259392"/>
+                    <a:gd name="connsiteY0" fmla="*/ 18995 h 1474415"/>
+                    <a:gd name="connsiteX1" fmla="*/ 121934 w 259392"/>
+                    <a:gd name="connsiteY1" fmla="*/ 209495 h 1474415"/>
+                    <a:gd name="connsiteX2" fmla="*/ 60974 w 259392"/>
+                    <a:gd name="connsiteY2" fmla="*/ 460955 h 1474415"/>
+                    <a:gd name="connsiteX3" fmla="*/ 167654 w 259392"/>
+                    <a:gd name="connsiteY3" fmla="*/ 727655 h 1474415"/>
+                    <a:gd name="connsiteX4" fmla="*/ 7634 w 259392"/>
+                    <a:gd name="connsiteY4" fmla="*/ 1055315 h 1474415"/>
+                    <a:gd name="connsiteX5" fmla="*/ 114314 w 259392"/>
+                    <a:gd name="connsiteY5" fmla="*/ 1352495 h 1474415"/>
+                    <a:gd name="connsiteX6" fmla="*/ 76214 w 259392"/>
+                    <a:gd name="connsiteY6" fmla="*/ 1474415 h 1474415"/>
+                    <a:gd name="connsiteX7" fmla="*/ 205754 w 259392"/>
+                    <a:gd name="connsiteY7" fmla="*/ 1352495 h 1474415"/>
+                    <a:gd name="connsiteX8" fmla="*/ 106694 w 259392"/>
+                    <a:gd name="connsiteY8" fmla="*/ 1139135 h 1474415"/>
+                    <a:gd name="connsiteX9" fmla="*/ 251474 w 259392"/>
+                    <a:gd name="connsiteY9" fmla="*/ 834335 h 1474415"/>
+                    <a:gd name="connsiteX10" fmla="*/ 228614 w 259392"/>
+                    <a:gd name="connsiteY10" fmla="*/ 537155 h 1474415"/>
+                    <a:gd name="connsiteX11" fmla="*/ 129554 w 259392"/>
+                    <a:gd name="connsiteY11" fmla="*/ 445715 h 1474415"/>
+                    <a:gd name="connsiteX12" fmla="*/ 213374 w 259392"/>
+                    <a:gd name="connsiteY12" fmla="*/ 224735 h 1474415"/>
+                    <a:gd name="connsiteX13" fmla="*/ 114314 w 259392"/>
+                    <a:gd name="connsiteY13" fmla="*/ 26615 h 1474415"/>
+                    <a:gd name="connsiteX14" fmla="*/ 14 w 259392"/>
+                    <a:gd name="connsiteY14" fmla="*/ 18995 h 1474415"/>
+                  </a:gdLst>
+                  <a:ahLst/>
+                  <a:cxnLst>
+                    <a:cxn ang="0">
+                      <a:pos x="connsiteX0" y="connsiteY0"/>
+                    </a:cxn>
+                    <a:cxn ang="0">
+                      <a:pos x="connsiteX1" y="connsiteY1"/>
+                    </a:cxn>
+                    <a:cxn ang="0">
+                      <a:pos x="connsiteX2" y="connsiteY2"/>
+                    </a:cxn>
+                    <a:cxn ang="0">
+                      <a:pos x="connsiteX3" y="connsiteY3"/>
+                    </a:cxn>
+                    <a:cxn ang="0">
+                      <a:pos x="connsiteX4" y="connsiteY4"/>
+                    </a:cxn>
+                    <a:cxn ang="0">
+                      <a:pos x="connsiteX5" y="connsiteY5"/>
+                    </a:cxn>
+                    <a:cxn ang="0">
+                      <a:pos x="connsiteX6" y="connsiteY6"/>
+                    </a:cxn>
+                    <a:cxn ang="0">
+                      <a:pos x="connsiteX7" y="connsiteY7"/>
+                    </a:cxn>
+                    <a:cxn ang="0">
+                      <a:pos x="connsiteX8" y="connsiteY8"/>
+                    </a:cxn>
+                    <a:cxn ang="0">
+                      <a:pos x="connsiteX9" y="connsiteY9"/>
+                    </a:cxn>
+                    <a:cxn ang="0">
+                      <a:pos x="connsiteX10" y="connsiteY10"/>
+                    </a:cxn>
+                    <a:cxn ang="0">
+                      <a:pos x="connsiteX11" y="connsiteY11"/>
+                    </a:cxn>
+                    <a:cxn ang="0">
+                      <a:pos x="connsiteX12" y="connsiteY12"/>
+                    </a:cxn>
+                    <a:cxn ang="0">
+                      <a:pos x="connsiteX13" y="connsiteY13"/>
+                    </a:cxn>
+                    <a:cxn ang="0">
+                      <a:pos x="connsiteX14" y="connsiteY14"/>
+                    </a:cxn>
+                  </a:cxnLst>
+                  <a:rect l="l" t="t" r="r" b="b"/>
+                  <a:pathLst>
+                    <a:path w="259392" h="1474415">
+                      <a:moveTo>
+                        <a:pt x="14" y="18995"/>
+                      </a:moveTo>
+                      <a:cubicBezTo>
+                        <a:pt x="1284" y="49475"/>
+                        <a:pt x="111774" y="135835"/>
+                        <a:pt x="121934" y="209495"/>
+                      </a:cubicBezTo>
+                      <a:cubicBezTo>
+                        <a:pt x="132094" y="283155"/>
+                        <a:pt x="53354" y="374595"/>
+                        <a:pt x="60974" y="460955"/>
+                      </a:cubicBezTo>
+                      <a:cubicBezTo>
+                        <a:pt x="68594" y="547315"/>
+                        <a:pt x="176544" y="628595"/>
+                        <a:pt x="167654" y="727655"/>
+                      </a:cubicBezTo>
+                      <a:cubicBezTo>
+                        <a:pt x="158764" y="826715"/>
+                        <a:pt x="16524" y="951175"/>
+                        <a:pt x="7634" y="1055315"/>
+                      </a:cubicBezTo>
+                      <a:cubicBezTo>
+                        <a:pt x="-1256" y="1159455"/>
+                        <a:pt x="102884" y="1282645"/>
+                        <a:pt x="114314" y="1352495"/>
+                      </a:cubicBezTo>
+                      <a:cubicBezTo>
+                        <a:pt x="125744" y="1422345"/>
+                        <a:pt x="60974" y="1474415"/>
+                        <a:pt x="76214" y="1474415"/>
+                      </a:cubicBezTo>
+                      <a:cubicBezTo>
+                        <a:pt x="91454" y="1474415"/>
+                        <a:pt x="200674" y="1408375"/>
+                        <a:pt x="205754" y="1352495"/>
+                      </a:cubicBezTo>
+                      <a:cubicBezTo>
+                        <a:pt x="210834" y="1296615"/>
+                        <a:pt x="99074" y="1225495"/>
+                        <a:pt x="106694" y="1139135"/>
+                      </a:cubicBezTo>
+                      <a:cubicBezTo>
+                        <a:pt x="114314" y="1052775"/>
+                        <a:pt x="231154" y="934665"/>
+                        <a:pt x="251474" y="834335"/>
+                      </a:cubicBezTo>
+                      <a:cubicBezTo>
+                        <a:pt x="271794" y="734005"/>
+                        <a:pt x="248934" y="601925"/>
+                        <a:pt x="228614" y="537155"/>
+                      </a:cubicBezTo>
+                      <a:cubicBezTo>
+                        <a:pt x="208294" y="472385"/>
+                        <a:pt x="132094" y="497785"/>
+                        <a:pt x="129554" y="445715"/>
+                      </a:cubicBezTo>
+                      <a:cubicBezTo>
+                        <a:pt x="127014" y="393645"/>
+                        <a:pt x="215914" y="294585"/>
+                        <a:pt x="213374" y="224735"/>
+                      </a:cubicBezTo>
+                      <a:cubicBezTo>
+                        <a:pt x="210834" y="154885"/>
+                        <a:pt x="148604" y="55825"/>
+                        <a:pt x="114314" y="26615"/>
+                      </a:cubicBezTo>
+                      <a:cubicBezTo>
+                        <a:pt x="80024" y="-2595"/>
+                        <a:pt x="-1256" y="-11485"/>
+                        <a:pt x="14" y="18995"/>
+                      </a:cubicBezTo>
+                      <a:close/>
+                    </a:path>
+                  </a:pathLst>
+                </a:custGeom>
+                <a:solidFill>
+                  <a:srgbClr val="E6185D"/>
+                </a:solidFill>
+                <a:ln>
+                  <a:noFill/>
+                </a:ln>
+              </p:spPr>
+              <p:style>
+                <a:lnRef idx="2">
+                  <a:schemeClr val="accent1">
+                    <a:shade val="50000"/>
+                  </a:schemeClr>
+                </a:lnRef>
+                <a:fillRef idx="1">
+                  <a:schemeClr val="accent1"/>
+                </a:fillRef>
+                <a:effectRef idx="0">
+                  <a:schemeClr val="accent1"/>
+                </a:effectRef>
+                <a:fontRef idx="minor">
+                  <a:schemeClr val="lt1"/>
+                </a:fontRef>
+              </p:style>
+              <p:txBody>
+                <a:bodyPr rtlCol="0" anchor="ctr"/>
+                <a:lstStyle/>
+                <a:p>
+                  <a:pPr algn="ctr"/>
+                  <a:endParaRPr lang="pt-BR"/>
+                </a:p>
+              </p:txBody>
+            </p:sp>
+            <p:sp>
+              <p:nvSpPr>
+                <p:cNvPr id="12" name="Elipse 11"/>
+                <p:cNvSpPr/>
+                <p:nvPr/>
+              </p:nvSpPr>
+              <p:spPr>
+                <a:xfrm>
+                  <a:off x="5480833" y="3966303"/>
+                  <a:ext cx="288032" cy="234575"/>
+                </a:xfrm>
+                <a:prstGeom prst="ellipse">
+                  <a:avLst/>
+                </a:prstGeom>
+                <a:solidFill>
+                  <a:srgbClr val="EE588A"/>
+                </a:solidFill>
+                <a:ln>
+                  <a:noFill/>
+                </a:ln>
+              </p:spPr>
+              <p:style>
+                <a:lnRef idx="2">
+                  <a:schemeClr val="accent1">
+                    <a:shade val="50000"/>
+                  </a:schemeClr>
+                </a:lnRef>
+                <a:fillRef idx="1">
+                  <a:schemeClr val="accent1"/>
+                </a:fillRef>
+                <a:effectRef idx="0">
+                  <a:schemeClr val="accent1"/>
+                </a:effectRef>
+                <a:fontRef idx="minor">
+                  <a:schemeClr val="lt1"/>
+                </a:fontRef>
+              </p:style>
+              <p:txBody>
+                <a:bodyPr rtlCol="0" anchor="ctr"/>
+                <a:lstStyle/>
+                <a:p>
+                  <a:pPr algn="ctr"/>
+                  <a:endParaRPr lang="pt-BR"/>
+                </a:p>
+              </p:txBody>
+            </p:sp>
+            <p:sp>
+              <p:nvSpPr>
+                <p:cNvPr id="13" name="Elipse 12"/>
+                <p:cNvSpPr/>
+                <p:nvPr/>
+              </p:nvSpPr>
+              <p:spPr>
+                <a:xfrm rot="16200000">
+                  <a:off x="5156586" y="3318529"/>
+                  <a:ext cx="936526" cy="593598"/>
+                </a:xfrm>
+                <a:prstGeom prst="ellipse">
+                  <a:avLst/>
+                </a:prstGeom>
+                <a:solidFill>
+                  <a:srgbClr val="E6185D"/>
+                </a:solidFill>
+                <a:ln>
+                  <a:noFill/>
+                </a:ln>
+              </p:spPr>
+              <p:style>
+                <a:lnRef idx="2">
+                  <a:schemeClr val="accent1">
+                    <a:shade val="50000"/>
+                  </a:schemeClr>
+                </a:lnRef>
+                <a:fillRef idx="1">
+                  <a:schemeClr val="accent1"/>
+                </a:fillRef>
+                <a:effectRef idx="0">
+                  <a:schemeClr val="accent1"/>
+                </a:effectRef>
+                <a:fontRef idx="minor">
+                  <a:schemeClr val="lt1"/>
+                </a:fontRef>
+              </p:style>
+              <p:txBody>
+                <a:bodyPr rtlCol="0" anchor="ctr"/>
+                <a:lstStyle/>
+                <a:p>
+                  <a:pPr algn="ctr"/>
+                  <a:endParaRPr lang="pt-BR"/>
+                </a:p>
+              </p:txBody>
+            </p:sp>
+          </p:grpSp>
+        </p:grpSp>
+        <p:grpSp>
+          <p:nvGrpSpPr>
+            <p:cNvPr id="35" name="Grupo 34"/>
+            <p:cNvGrpSpPr/>
+            <p:nvPr/>
+          </p:nvGrpSpPr>
+          <p:grpSpPr>
+            <a:xfrm flipH="1">
+              <a:off x="7452320" y="1757999"/>
+              <a:ext cx="2024576" cy="2795635"/>
+              <a:chOff x="4712751" y="1268760"/>
+              <a:chExt cx="3165243" cy="4370723"/>
+            </a:xfrm>
+          </p:grpSpPr>
+          <p:sp>
+            <p:nvSpPr>
+              <p:cNvPr id="36" name="Elipse 35"/>
+              <p:cNvSpPr/>
+              <p:nvPr/>
+            </p:nvSpPr>
+            <p:spPr>
+              <a:xfrm>
+                <a:off x="5220072" y="1268760"/>
+                <a:ext cx="2657922" cy="2657922"/>
+              </a:xfrm>
+              <a:prstGeom prst="ellipse">
+                <a:avLst/>
+              </a:prstGeom>
+              <a:solidFill>
+                <a:srgbClr val="F177A0"/>
+              </a:solidFill>
+              <a:ln>
+                <a:noFill/>
+              </a:ln>
+            </p:spPr>
+            <p:style>
+              <a:lnRef idx="2">
+                <a:schemeClr val="accent1">
+                  <a:shade val="50000"/>
+                </a:schemeClr>
+              </a:lnRef>
+              <a:fillRef idx="1">
+                <a:schemeClr val="accent1"/>
+              </a:fillRef>
+              <a:effectRef idx="0">
+                <a:schemeClr val="accent1"/>
+              </a:effectRef>
+              <a:fontRef idx="minor">
+                <a:schemeClr val="lt1"/>
+              </a:fontRef>
+            </p:style>
+            <p:txBody>
+              <a:bodyPr rtlCol="0" anchor="ctr"/>
+              <a:lstStyle/>
+              <a:p>
+                <a:pPr algn="ctr"/>
+                <a:endParaRPr lang="pt-BR"/>
+              </a:p>
+            </p:txBody>
+          </p:sp>
+          <p:sp>
+            <p:nvSpPr>
+              <p:cNvPr id="37" name="Elipse 36"/>
+              <p:cNvSpPr/>
+              <p:nvPr/>
+            </p:nvSpPr>
+            <p:spPr>
+              <a:xfrm>
+                <a:off x="5742633" y="1791321"/>
+                <a:ext cx="1612801" cy="1612801"/>
+              </a:xfrm>
+              <a:prstGeom prst="ellipse">
+                <a:avLst/>
+              </a:prstGeom>
+              <a:solidFill>
+                <a:srgbClr val="ED5588"/>
+              </a:solidFill>
+              <a:ln>
+                <a:noFill/>
+              </a:ln>
+            </p:spPr>
+            <p:style>
+              <a:lnRef idx="2">
+                <a:schemeClr val="accent1">
+                  <a:shade val="50000"/>
+                </a:schemeClr>
+              </a:lnRef>
+              <a:fillRef idx="1">
+                <a:schemeClr val="accent1"/>
+              </a:fillRef>
+              <a:effectRef idx="0">
+                <a:schemeClr val="accent1"/>
+              </a:effectRef>
+              <a:fontRef idx="minor">
+                <a:schemeClr val="lt1"/>
+              </a:fontRef>
+            </p:style>
+            <p:txBody>
+              <a:bodyPr rtlCol="0" anchor="ctr"/>
+              <a:lstStyle/>
+              <a:p>
+                <a:pPr algn="ctr"/>
+                <a:endParaRPr lang="pt-BR"/>
+              </a:p>
+            </p:txBody>
+          </p:sp>
+          <p:grpSp>
+            <p:nvGrpSpPr>
+              <p:cNvPr id="38" name="Grupo 37"/>
+              <p:cNvGrpSpPr/>
+              <p:nvPr/>
+            </p:nvGrpSpPr>
+            <p:grpSpPr>
+              <a:xfrm rot="2044970">
+                <a:off x="5271360" y="2880109"/>
+                <a:ext cx="593598" cy="2314614"/>
+                <a:chOff x="5328050" y="3147065"/>
+                <a:chExt cx="593598" cy="2314613"/>
+              </a:xfrm>
+            </p:grpSpPr>
+            <p:sp>
+              <p:nvSpPr>
+                <p:cNvPr id="47" name="Forma livre 46"/>
+                <p:cNvSpPr/>
+                <p:nvPr/>
+              </p:nvSpPr>
+              <p:spPr>
+                <a:xfrm>
+                  <a:off x="5483241" y="3987263"/>
+                  <a:ext cx="259392" cy="1474415"/>
+                </a:xfrm>
+                <a:custGeom>
+                  <a:avLst/>
+                  <a:gdLst>
+                    <a:gd name="connsiteX0" fmla="*/ 14 w 259392"/>
+                    <a:gd name="connsiteY0" fmla="*/ 18995 h 1474415"/>
+                    <a:gd name="connsiteX1" fmla="*/ 121934 w 259392"/>
+                    <a:gd name="connsiteY1" fmla="*/ 209495 h 1474415"/>
+                    <a:gd name="connsiteX2" fmla="*/ 60974 w 259392"/>
+                    <a:gd name="connsiteY2" fmla="*/ 460955 h 1474415"/>
+                    <a:gd name="connsiteX3" fmla="*/ 167654 w 259392"/>
+                    <a:gd name="connsiteY3" fmla="*/ 727655 h 1474415"/>
+                    <a:gd name="connsiteX4" fmla="*/ 7634 w 259392"/>
+                    <a:gd name="connsiteY4" fmla="*/ 1055315 h 1474415"/>
+                    <a:gd name="connsiteX5" fmla="*/ 114314 w 259392"/>
+                    <a:gd name="connsiteY5" fmla="*/ 1352495 h 1474415"/>
+                    <a:gd name="connsiteX6" fmla="*/ 76214 w 259392"/>
+                    <a:gd name="connsiteY6" fmla="*/ 1474415 h 1474415"/>
+                    <a:gd name="connsiteX7" fmla="*/ 205754 w 259392"/>
+                    <a:gd name="connsiteY7" fmla="*/ 1352495 h 1474415"/>
+                    <a:gd name="connsiteX8" fmla="*/ 106694 w 259392"/>
+                    <a:gd name="connsiteY8" fmla="*/ 1139135 h 1474415"/>
+                    <a:gd name="connsiteX9" fmla="*/ 251474 w 259392"/>
+                    <a:gd name="connsiteY9" fmla="*/ 834335 h 1474415"/>
+                    <a:gd name="connsiteX10" fmla="*/ 228614 w 259392"/>
+                    <a:gd name="connsiteY10" fmla="*/ 537155 h 1474415"/>
+                    <a:gd name="connsiteX11" fmla="*/ 129554 w 259392"/>
+                    <a:gd name="connsiteY11" fmla="*/ 445715 h 1474415"/>
+                    <a:gd name="connsiteX12" fmla="*/ 213374 w 259392"/>
+                    <a:gd name="connsiteY12" fmla="*/ 224735 h 1474415"/>
+                    <a:gd name="connsiteX13" fmla="*/ 114314 w 259392"/>
+                    <a:gd name="connsiteY13" fmla="*/ 26615 h 1474415"/>
+                    <a:gd name="connsiteX14" fmla="*/ 14 w 259392"/>
+                    <a:gd name="connsiteY14" fmla="*/ 18995 h 1474415"/>
+                  </a:gdLst>
+                  <a:ahLst/>
+                  <a:cxnLst>
+                    <a:cxn ang="0">
+                      <a:pos x="connsiteX0" y="connsiteY0"/>
+                    </a:cxn>
+                    <a:cxn ang="0">
+                      <a:pos x="connsiteX1" y="connsiteY1"/>
+                    </a:cxn>
+                    <a:cxn ang="0">
+                      <a:pos x="connsiteX2" y="connsiteY2"/>
+                    </a:cxn>
+                    <a:cxn ang="0">
+                      <a:pos x="connsiteX3" y="connsiteY3"/>
+                    </a:cxn>
+                    <a:cxn ang="0">
+                      <a:pos x="connsiteX4" y="connsiteY4"/>
+                    </a:cxn>
+                    <a:cxn ang="0">
+                      <a:pos x="connsiteX5" y="connsiteY5"/>
+                    </a:cxn>
+                    <a:cxn ang="0">
+                      <a:pos x="connsiteX6" y="connsiteY6"/>
+                    </a:cxn>
+                    <a:cxn ang="0">
+                      <a:pos x="connsiteX7" y="connsiteY7"/>
+                    </a:cxn>
+                    <a:cxn ang="0">
+                      <a:pos x="connsiteX8" y="connsiteY8"/>
+                    </a:cxn>
+                    <a:cxn ang="0">
+                      <a:pos x="connsiteX9" y="connsiteY9"/>
+                    </a:cxn>
+                    <a:cxn ang="0">
+                      <a:pos x="connsiteX10" y="connsiteY10"/>
+                    </a:cxn>
+                    <a:cxn ang="0">
+                      <a:pos x="connsiteX11" y="connsiteY11"/>
+                    </a:cxn>
+                    <a:cxn ang="0">
+                      <a:pos x="connsiteX12" y="connsiteY12"/>
+                    </a:cxn>
+                    <a:cxn ang="0">
+                      <a:pos x="connsiteX13" y="connsiteY13"/>
+                    </a:cxn>
+                    <a:cxn ang="0">
+                      <a:pos x="connsiteX14" y="connsiteY14"/>
+                    </a:cxn>
+                  </a:cxnLst>
+                  <a:rect l="l" t="t" r="r" b="b"/>
+                  <a:pathLst>
+                    <a:path w="259392" h="1474415">
+                      <a:moveTo>
+                        <a:pt x="14" y="18995"/>
+                      </a:moveTo>
+                      <a:cubicBezTo>
+                        <a:pt x="1284" y="49475"/>
+                        <a:pt x="111774" y="135835"/>
+                        <a:pt x="121934" y="209495"/>
+                      </a:cubicBezTo>
+                      <a:cubicBezTo>
+                        <a:pt x="132094" y="283155"/>
+                        <a:pt x="53354" y="374595"/>
+                        <a:pt x="60974" y="460955"/>
+                      </a:cubicBezTo>
+                      <a:cubicBezTo>
+                        <a:pt x="68594" y="547315"/>
+                        <a:pt x="176544" y="628595"/>
+                        <a:pt x="167654" y="727655"/>
+                      </a:cubicBezTo>
+                      <a:cubicBezTo>
+                        <a:pt x="158764" y="826715"/>
+                        <a:pt x="16524" y="951175"/>
+                        <a:pt x="7634" y="1055315"/>
+                      </a:cubicBezTo>
+                      <a:cubicBezTo>
+                        <a:pt x="-1256" y="1159455"/>
+                        <a:pt x="102884" y="1282645"/>
+                        <a:pt x="114314" y="1352495"/>
+                      </a:cubicBezTo>
+                      <a:cubicBezTo>
+                        <a:pt x="125744" y="1422345"/>
+                        <a:pt x="60974" y="1474415"/>
+                        <a:pt x="76214" y="1474415"/>
+                      </a:cubicBezTo>
+                      <a:cubicBezTo>
+                        <a:pt x="91454" y="1474415"/>
+                        <a:pt x="200674" y="1408375"/>
+                        <a:pt x="205754" y="1352495"/>
+                      </a:cubicBezTo>
+                      <a:cubicBezTo>
+                        <a:pt x="210834" y="1296615"/>
+                        <a:pt x="99074" y="1225495"/>
+                        <a:pt x="106694" y="1139135"/>
+                      </a:cubicBezTo>
+                      <a:cubicBezTo>
+                        <a:pt x="114314" y="1052775"/>
+                        <a:pt x="231154" y="934665"/>
+                        <a:pt x="251474" y="834335"/>
+                      </a:cubicBezTo>
+                      <a:cubicBezTo>
+                        <a:pt x="271794" y="734005"/>
+                        <a:pt x="248934" y="601925"/>
+                        <a:pt x="228614" y="537155"/>
+                      </a:cubicBezTo>
+                      <a:cubicBezTo>
+                        <a:pt x="208294" y="472385"/>
+                        <a:pt x="132094" y="497785"/>
+                        <a:pt x="129554" y="445715"/>
+                      </a:cubicBezTo>
+                      <a:cubicBezTo>
+                        <a:pt x="127014" y="393645"/>
+                        <a:pt x="215914" y="294585"/>
+                        <a:pt x="213374" y="224735"/>
+                      </a:cubicBezTo>
+                      <a:cubicBezTo>
+                        <a:pt x="210834" y="154885"/>
+                        <a:pt x="148604" y="55825"/>
+                        <a:pt x="114314" y="26615"/>
+                      </a:cubicBezTo>
+                      <a:cubicBezTo>
+                        <a:pt x="80024" y="-2595"/>
+                        <a:pt x="-1256" y="-11485"/>
+                        <a:pt x="14" y="18995"/>
+                      </a:cubicBezTo>
+                      <a:close/>
+                    </a:path>
+                  </a:pathLst>
+                </a:custGeom>
+                <a:solidFill>
+                  <a:srgbClr val="E6185D"/>
+                </a:solidFill>
+                <a:ln>
+                  <a:noFill/>
+                </a:ln>
+              </p:spPr>
+              <p:style>
+                <a:lnRef idx="2">
+                  <a:schemeClr val="accent1">
+                    <a:shade val="50000"/>
+                  </a:schemeClr>
+                </a:lnRef>
+                <a:fillRef idx="1">
+                  <a:schemeClr val="accent1"/>
+                </a:fillRef>
+                <a:effectRef idx="0">
+                  <a:schemeClr val="accent1"/>
+                </a:effectRef>
+                <a:fontRef idx="minor">
+                  <a:schemeClr val="lt1"/>
+                </a:fontRef>
+              </p:style>
+              <p:txBody>
+                <a:bodyPr rtlCol="0" anchor="ctr"/>
+                <a:lstStyle/>
+                <a:p>
+                  <a:pPr algn="ctr"/>
+                  <a:endParaRPr lang="pt-BR"/>
+                </a:p>
+              </p:txBody>
+            </p:sp>
+            <p:sp>
+              <p:nvSpPr>
+                <p:cNvPr id="48" name="Elipse 47"/>
+                <p:cNvSpPr/>
+                <p:nvPr/>
+              </p:nvSpPr>
+              <p:spPr>
+                <a:xfrm>
+                  <a:off x="5480833" y="3966303"/>
+                  <a:ext cx="288032" cy="234575"/>
+                </a:xfrm>
+                <a:prstGeom prst="ellipse">
+                  <a:avLst/>
+                </a:prstGeom>
+                <a:solidFill>
+                  <a:srgbClr val="EE588A"/>
+                </a:solidFill>
+                <a:ln>
+                  <a:noFill/>
+                </a:ln>
+              </p:spPr>
+              <p:style>
+                <a:lnRef idx="2">
+                  <a:schemeClr val="accent1">
+                    <a:shade val="50000"/>
+                  </a:schemeClr>
+                </a:lnRef>
+                <a:fillRef idx="1">
+                  <a:schemeClr val="accent1"/>
+                </a:fillRef>
+                <a:effectRef idx="0">
+                  <a:schemeClr val="accent1"/>
+                </a:effectRef>
+                <a:fontRef idx="minor">
+                  <a:schemeClr val="lt1"/>
+                </a:fontRef>
+              </p:style>
+              <p:txBody>
+                <a:bodyPr rtlCol="0" anchor="ctr"/>
+                <a:lstStyle/>
+                <a:p>
+                  <a:pPr algn="ctr"/>
+                  <a:endParaRPr lang="pt-BR"/>
+                </a:p>
+              </p:txBody>
+            </p:sp>
+            <p:sp>
+              <p:nvSpPr>
+                <p:cNvPr id="49" name="Elipse 48"/>
+                <p:cNvSpPr/>
+                <p:nvPr/>
+              </p:nvSpPr>
+              <p:spPr>
+                <a:xfrm rot="16200000">
+                  <a:off x="5156586" y="3318529"/>
+                  <a:ext cx="936526" cy="593598"/>
+                </a:xfrm>
+                <a:prstGeom prst="ellipse">
+                  <a:avLst/>
+                </a:prstGeom>
+                <a:solidFill>
+                  <a:srgbClr val="E6185D"/>
+                </a:solidFill>
+                <a:ln>
+                  <a:noFill/>
+                </a:ln>
+              </p:spPr>
+              <p:style>
+                <a:lnRef idx="2">
+                  <a:schemeClr val="accent1">
+                    <a:shade val="50000"/>
+                  </a:schemeClr>
+                </a:lnRef>
+                <a:fillRef idx="1">
+                  <a:schemeClr val="accent1"/>
+                </a:fillRef>
+                <a:effectRef idx="0">
+                  <a:schemeClr val="accent1"/>
+                </a:effectRef>
+                <a:fontRef idx="minor">
+                  <a:schemeClr val="lt1"/>
+                </a:fontRef>
+              </p:style>
+              <p:txBody>
+                <a:bodyPr rtlCol="0" anchor="ctr"/>
+                <a:lstStyle/>
+                <a:p>
+                  <a:pPr algn="ctr"/>
+                  <a:endParaRPr lang="pt-BR"/>
+                </a:p>
+              </p:txBody>
+            </p:sp>
+          </p:grpSp>
+          <p:grpSp>
+            <p:nvGrpSpPr>
+              <p:cNvPr id="39" name="Grupo 38"/>
+              <p:cNvGrpSpPr/>
+              <p:nvPr/>
+            </p:nvGrpSpPr>
+            <p:grpSpPr>
+              <a:xfrm rot="2044970">
+                <a:off x="4712751" y="2908588"/>
+                <a:ext cx="471311" cy="1837782"/>
+                <a:chOff x="5328050" y="3147065"/>
+                <a:chExt cx="593598" cy="2314613"/>
+              </a:xfrm>
+            </p:grpSpPr>
+            <p:sp>
+              <p:nvSpPr>
+                <p:cNvPr id="44" name="Forma livre 43"/>
+                <p:cNvSpPr/>
+                <p:nvPr/>
+              </p:nvSpPr>
+              <p:spPr>
+                <a:xfrm>
+                  <a:off x="5483241" y="3987263"/>
+                  <a:ext cx="259392" cy="1474415"/>
+                </a:xfrm>
+                <a:custGeom>
+                  <a:avLst/>
+                  <a:gdLst>
+                    <a:gd name="connsiteX0" fmla="*/ 14 w 259392"/>
+                    <a:gd name="connsiteY0" fmla="*/ 18995 h 1474415"/>
+                    <a:gd name="connsiteX1" fmla="*/ 121934 w 259392"/>
+                    <a:gd name="connsiteY1" fmla="*/ 209495 h 1474415"/>
+                    <a:gd name="connsiteX2" fmla="*/ 60974 w 259392"/>
+                    <a:gd name="connsiteY2" fmla="*/ 460955 h 1474415"/>
+                    <a:gd name="connsiteX3" fmla="*/ 167654 w 259392"/>
+                    <a:gd name="connsiteY3" fmla="*/ 727655 h 1474415"/>
+                    <a:gd name="connsiteX4" fmla="*/ 7634 w 259392"/>
+                    <a:gd name="connsiteY4" fmla="*/ 1055315 h 1474415"/>
+                    <a:gd name="connsiteX5" fmla="*/ 114314 w 259392"/>
+                    <a:gd name="connsiteY5" fmla="*/ 1352495 h 1474415"/>
+                    <a:gd name="connsiteX6" fmla="*/ 76214 w 259392"/>
+                    <a:gd name="connsiteY6" fmla="*/ 1474415 h 1474415"/>
+                    <a:gd name="connsiteX7" fmla="*/ 205754 w 259392"/>
+                    <a:gd name="connsiteY7" fmla="*/ 1352495 h 1474415"/>
+                    <a:gd name="connsiteX8" fmla="*/ 106694 w 259392"/>
+                    <a:gd name="connsiteY8" fmla="*/ 1139135 h 1474415"/>
+                    <a:gd name="connsiteX9" fmla="*/ 251474 w 259392"/>
+                    <a:gd name="connsiteY9" fmla="*/ 834335 h 1474415"/>
+                    <a:gd name="connsiteX10" fmla="*/ 228614 w 259392"/>
+                    <a:gd name="connsiteY10" fmla="*/ 537155 h 1474415"/>
+                    <a:gd name="connsiteX11" fmla="*/ 129554 w 259392"/>
+                    <a:gd name="connsiteY11" fmla="*/ 445715 h 1474415"/>
+                    <a:gd name="connsiteX12" fmla="*/ 213374 w 259392"/>
+                    <a:gd name="connsiteY12" fmla="*/ 224735 h 1474415"/>
+                    <a:gd name="connsiteX13" fmla="*/ 114314 w 259392"/>
+                    <a:gd name="connsiteY13" fmla="*/ 26615 h 1474415"/>
+                    <a:gd name="connsiteX14" fmla="*/ 14 w 259392"/>
+                    <a:gd name="connsiteY14" fmla="*/ 18995 h 1474415"/>
+                  </a:gdLst>
+                  <a:ahLst/>
+                  <a:cxnLst>
+                    <a:cxn ang="0">
+                      <a:pos x="connsiteX0" y="connsiteY0"/>
+                    </a:cxn>
+                    <a:cxn ang="0">
+                      <a:pos x="connsiteX1" y="connsiteY1"/>
+                    </a:cxn>
+                    <a:cxn ang="0">
+                      <a:pos x="connsiteX2" y="connsiteY2"/>
+                    </a:cxn>
+                    <a:cxn ang="0">
+                      <a:pos x="connsiteX3" y="connsiteY3"/>
+                    </a:cxn>
+                    <a:cxn ang="0">
+                      <a:pos x="connsiteX4" y="connsiteY4"/>
+                    </a:cxn>
+                    <a:cxn ang="0">
+                      <a:pos x="connsiteX5" y="connsiteY5"/>
+                    </a:cxn>
+                    <a:cxn ang="0">
+                      <a:pos x="connsiteX6" y="connsiteY6"/>
+                    </a:cxn>
+                    <a:cxn ang="0">
+                      <a:pos x="connsiteX7" y="connsiteY7"/>
+                    </a:cxn>
+                    <a:cxn ang="0">
+                      <a:pos x="connsiteX8" y="connsiteY8"/>
+                    </a:cxn>
+                    <a:cxn ang="0">
+                      <a:pos x="connsiteX9" y="connsiteY9"/>
+                    </a:cxn>
+                    <a:cxn ang="0">
+                      <a:pos x="connsiteX10" y="connsiteY10"/>
+                    </a:cxn>
+                    <a:cxn ang="0">
+                      <a:pos x="connsiteX11" y="connsiteY11"/>
+                    </a:cxn>
+                    <a:cxn ang="0">
+                      <a:pos x="connsiteX12" y="connsiteY12"/>
+                    </a:cxn>
+                    <a:cxn ang="0">
+                      <a:pos x="connsiteX13" y="connsiteY13"/>
+                    </a:cxn>
+                    <a:cxn ang="0">
+                      <a:pos x="connsiteX14" y="connsiteY14"/>
+                    </a:cxn>
+                  </a:cxnLst>
+                  <a:rect l="l" t="t" r="r" b="b"/>
+                  <a:pathLst>
+                    <a:path w="259392" h="1474415">
+                      <a:moveTo>
+                        <a:pt x="14" y="18995"/>
+                      </a:moveTo>
+                      <a:cubicBezTo>
+                        <a:pt x="1284" y="49475"/>
+                        <a:pt x="111774" y="135835"/>
+                        <a:pt x="121934" y="209495"/>
+                      </a:cubicBezTo>
+                      <a:cubicBezTo>
+                        <a:pt x="132094" y="283155"/>
+                        <a:pt x="53354" y="374595"/>
+                        <a:pt x="60974" y="460955"/>
+                      </a:cubicBezTo>
+                      <a:cubicBezTo>
+                        <a:pt x="68594" y="547315"/>
+                        <a:pt x="176544" y="628595"/>
+                        <a:pt x="167654" y="727655"/>
+                      </a:cubicBezTo>
+                      <a:cubicBezTo>
+                        <a:pt x="158764" y="826715"/>
+                        <a:pt x="16524" y="951175"/>
+                        <a:pt x="7634" y="1055315"/>
+                      </a:cubicBezTo>
+                      <a:cubicBezTo>
+                        <a:pt x="-1256" y="1159455"/>
+                        <a:pt x="102884" y="1282645"/>
+                        <a:pt x="114314" y="1352495"/>
+                      </a:cubicBezTo>
+                      <a:cubicBezTo>
+                        <a:pt x="125744" y="1422345"/>
+                        <a:pt x="60974" y="1474415"/>
+                        <a:pt x="76214" y="1474415"/>
+                      </a:cubicBezTo>
+                      <a:cubicBezTo>
+                        <a:pt x="91454" y="1474415"/>
+                        <a:pt x="200674" y="1408375"/>
+                        <a:pt x="205754" y="1352495"/>
+                      </a:cubicBezTo>
+                      <a:cubicBezTo>
+                        <a:pt x="210834" y="1296615"/>
+                        <a:pt x="99074" y="1225495"/>
+                        <a:pt x="106694" y="1139135"/>
+                      </a:cubicBezTo>
+                      <a:cubicBezTo>
+                        <a:pt x="114314" y="1052775"/>
+                        <a:pt x="231154" y="934665"/>
+                        <a:pt x="251474" y="834335"/>
+                      </a:cubicBezTo>
+                      <a:cubicBezTo>
+                        <a:pt x="271794" y="734005"/>
+                        <a:pt x="248934" y="601925"/>
+                        <a:pt x="228614" y="537155"/>
+                      </a:cubicBezTo>
+                      <a:cubicBezTo>
+                        <a:pt x="208294" y="472385"/>
+                        <a:pt x="132094" y="497785"/>
+                        <a:pt x="129554" y="445715"/>
+                      </a:cubicBezTo>
+                      <a:cubicBezTo>
+                        <a:pt x="127014" y="393645"/>
+                        <a:pt x="215914" y="294585"/>
+                        <a:pt x="213374" y="224735"/>
+                      </a:cubicBezTo>
+                      <a:cubicBezTo>
+                        <a:pt x="210834" y="154885"/>
+                        <a:pt x="148604" y="55825"/>
+                        <a:pt x="114314" y="26615"/>
+                      </a:cubicBezTo>
+                      <a:cubicBezTo>
+                        <a:pt x="80024" y="-2595"/>
+                        <a:pt x="-1256" y="-11485"/>
+                        <a:pt x="14" y="18995"/>
+                      </a:cubicBezTo>
+                      <a:close/>
+                    </a:path>
+                  </a:pathLst>
+                </a:custGeom>
+                <a:solidFill>
+                  <a:srgbClr val="E6185D"/>
+                </a:solidFill>
+                <a:ln>
+                  <a:noFill/>
+                </a:ln>
+              </p:spPr>
+              <p:style>
+                <a:lnRef idx="2">
+                  <a:schemeClr val="accent1">
+                    <a:shade val="50000"/>
+                  </a:schemeClr>
+                </a:lnRef>
+                <a:fillRef idx="1">
+                  <a:schemeClr val="accent1"/>
+                </a:fillRef>
+                <a:effectRef idx="0">
+                  <a:schemeClr val="accent1"/>
+                </a:effectRef>
+                <a:fontRef idx="minor">
+                  <a:schemeClr val="lt1"/>
+                </a:fontRef>
+              </p:style>
+              <p:txBody>
+                <a:bodyPr rtlCol="0" anchor="ctr"/>
+                <a:lstStyle/>
+                <a:p>
+                  <a:pPr algn="ctr"/>
+                  <a:endParaRPr lang="pt-BR"/>
+                </a:p>
+              </p:txBody>
+            </p:sp>
+            <p:sp>
+              <p:nvSpPr>
+                <p:cNvPr id="45" name="Elipse 44"/>
+                <p:cNvSpPr/>
+                <p:nvPr/>
+              </p:nvSpPr>
+              <p:spPr>
+                <a:xfrm>
+                  <a:off x="5480833" y="3966303"/>
+                  <a:ext cx="288032" cy="234575"/>
+                </a:xfrm>
+                <a:prstGeom prst="ellipse">
+                  <a:avLst/>
+                </a:prstGeom>
+                <a:solidFill>
+                  <a:srgbClr val="EE588A"/>
+                </a:solidFill>
+                <a:ln>
+                  <a:noFill/>
+                </a:ln>
+              </p:spPr>
+              <p:style>
+                <a:lnRef idx="2">
+                  <a:schemeClr val="accent1">
+                    <a:shade val="50000"/>
+                  </a:schemeClr>
+                </a:lnRef>
+                <a:fillRef idx="1">
+                  <a:schemeClr val="accent1"/>
+                </a:fillRef>
+                <a:effectRef idx="0">
+                  <a:schemeClr val="accent1"/>
+                </a:effectRef>
+                <a:fontRef idx="minor">
+                  <a:schemeClr val="lt1"/>
+                </a:fontRef>
+              </p:style>
+              <p:txBody>
+                <a:bodyPr rtlCol="0" anchor="ctr"/>
+                <a:lstStyle/>
+                <a:p>
+                  <a:pPr algn="ctr"/>
+                  <a:endParaRPr lang="pt-BR"/>
+                </a:p>
+              </p:txBody>
+            </p:sp>
+            <p:sp>
+              <p:nvSpPr>
+                <p:cNvPr id="46" name="Elipse 45"/>
+                <p:cNvSpPr/>
+                <p:nvPr/>
+              </p:nvSpPr>
+              <p:spPr>
+                <a:xfrm rot="16200000">
+                  <a:off x="5156586" y="3318529"/>
+                  <a:ext cx="936526" cy="593598"/>
+                </a:xfrm>
+                <a:prstGeom prst="ellipse">
+                  <a:avLst/>
+                </a:prstGeom>
+                <a:solidFill>
+                  <a:srgbClr val="E6185D"/>
+                </a:solidFill>
+                <a:ln>
+                  <a:noFill/>
+                </a:ln>
+              </p:spPr>
+              <p:style>
+                <a:lnRef idx="2">
+                  <a:schemeClr val="accent1">
+                    <a:shade val="50000"/>
+                  </a:schemeClr>
+                </a:lnRef>
+                <a:fillRef idx="1">
+                  <a:schemeClr val="accent1"/>
+                </a:fillRef>
+                <a:effectRef idx="0">
+                  <a:schemeClr val="accent1"/>
+                </a:effectRef>
+                <a:fontRef idx="minor">
+                  <a:schemeClr val="lt1"/>
+                </a:fontRef>
+              </p:style>
+              <p:txBody>
+                <a:bodyPr rtlCol="0" anchor="ctr"/>
+                <a:lstStyle/>
+                <a:p>
+                  <a:pPr algn="ctr"/>
+                  <a:endParaRPr lang="pt-BR"/>
+                </a:p>
+              </p:txBody>
+            </p:sp>
+          </p:grpSp>
+          <p:grpSp>
+            <p:nvGrpSpPr>
+              <p:cNvPr id="40" name="Grupo 39"/>
+              <p:cNvGrpSpPr/>
+              <p:nvPr/>
+            </p:nvGrpSpPr>
+            <p:grpSpPr>
+              <a:xfrm rot="2044970">
+                <a:off x="5465961" y="3801701"/>
+                <a:ext cx="471311" cy="1837782"/>
+                <a:chOff x="5328050" y="3147065"/>
+                <a:chExt cx="593598" cy="2314613"/>
+              </a:xfrm>
+            </p:grpSpPr>
+            <p:sp>
+              <p:nvSpPr>
+                <p:cNvPr id="41" name="Forma livre 40"/>
+                <p:cNvSpPr/>
+                <p:nvPr/>
+              </p:nvSpPr>
+              <p:spPr>
+                <a:xfrm>
+                  <a:off x="5483241" y="3987263"/>
+                  <a:ext cx="259392" cy="1474415"/>
+                </a:xfrm>
+                <a:custGeom>
+                  <a:avLst/>
+                  <a:gdLst>
+                    <a:gd name="connsiteX0" fmla="*/ 14 w 259392"/>
+                    <a:gd name="connsiteY0" fmla="*/ 18995 h 1474415"/>
+                    <a:gd name="connsiteX1" fmla="*/ 121934 w 259392"/>
+                    <a:gd name="connsiteY1" fmla="*/ 209495 h 1474415"/>
+                    <a:gd name="connsiteX2" fmla="*/ 60974 w 259392"/>
+                    <a:gd name="connsiteY2" fmla="*/ 460955 h 1474415"/>
+                    <a:gd name="connsiteX3" fmla="*/ 167654 w 259392"/>
+                    <a:gd name="connsiteY3" fmla="*/ 727655 h 1474415"/>
+                    <a:gd name="connsiteX4" fmla="*/ 7634 w 259392"/>
+                    <a:gd name="connsiteY4" fmla="*/ 1055315 h 1474415"/>
+                    <a:gd name="connsiteX5" fmla="*/ 114314 w 259392"/>
+                    <a:gd name="connsiteY5" fmla="*/ 1352495 h 1474415"/>
+                    <a:gd name="connsiteX6" fmla="*/ 76214 w 259392"/>
+                    <a:gd name="connsiteY6" fmla="*/ 1474415 h 1474415"/>
+                    <a:gd name="connsiteX7" fmla="*/ 205754 w 259392"/>
+                    <a:gd name="connsiteY7" fmla="*/ 1352495 h 1474415"/>
+                    <a:gd name="connsiteX8" fmla="*/ 106694 w 259392"/>
+                    <a:gd name="connsiteY8" fmla="*/ 1139135 h 1474415"/>
+                    <a:gd name="connsiteX9" fmla="*/ 251474 w 259392"/>
+                    <a:gd name="connsiteY9" fmla="*/ 834335 h 1474415"/>
+                    <a:gd name="connsiteX10" fmla="*/ 228614 w 259392"/>
+                    <a:gd name="connsiteY10" fmla="*/ 537155 h 1474415"/>
+                    <a:gd name="connsiteX11" fmla="*/ 129554 w 259392"/>
+                    <a:gd name="connsiteY11" fmla="*/ 445715 h 1474415"/>
+                    <a:gd name="connsiteX12" fmla="*/ 213374 w 259392"/>
+                    <a:gd name="connsiteY12" fmla="*/ 224735 h 1474415"/>
+                    <a:gd name="connsiteX13" fmla="*/ 114314 w 259392"/>
+                    <a:gd name="connsiteY13" fmla="*/ 26615 h 1474415"/>
+                    <a:gd name="connsiteX14" fmla="*/ 14 w 259392"/>
+                    <a:gd name="connsiteY14" fmla="*/ 18995 h 1474415"/>
+                  </a:gdLst>
+                  <a:ahLst/>
+                  <a:cxnLst>
+                    <a:cxn ang="0">
+                      <a:pos x="connsiteX0" y="connsiteY0"/>
+                    </a:cxn>
+                    <a:cxn ang="0">
+                      <a:pos x="connsiteX1" y="connsiteY1"/>
+                    </a:cxn>
+                    <a:cxn ang="0">
+                      <a:pos x="connsiteX2" y="connsiteY2"/>
+                    </a:cxn>
+                    <a:cxn ang="0">
+                      <a:pos x="connsiteX3" y="connsiteY3"/>
+                    </a:cxn>
+                    <a:cxn ang="0">
+                      <a:pos x="connsiteX4" y="connsiteY4"/>
+                    </a:cxn>
+                    <a:cxn ang="0">
+                      <a:pos x="connsiteX5" y="connsiteY5"/>
+                    </a:cxn>
+                    <a:cxn ang="0">
+                      <a:pos x="connsiteX6" y="connsiteY6"/>
+                    </a:cxn>
+                    <a:cxn ang="0">
+                      <a:pos x="connsiteX7" y="connsiteY7"/>
+                    </a:cxn>
+                    <a:cxn ang="0">
+                      <a:pos x="connsiteX8" y="connsiteY8"/>
+                    </a:cxn>
+                    <a:cxn ang="0">
+                      <a:pos x="connsiteX9" y="connsiteY9"/>
+                    </a:cxn>
+                    <a:cxn ang="0">
+                      <a:pos x="connsiteX10" y="connsiteY10"/>
+                    </a:cxn>
+                    <a:cxn ang="0">
+                      <a:pos x="connsiteX11" y="connsiteY11"/>
+                    </a:cxn>
+                    <a:cxn ang="0">
+                      <a:pos x="connsiteX12" y="connsiteY12"/>
+                    </a:cxn>
+                    <a:cxn ang="0">
+                      <a:pos x="connsiteX13" y="connsiteY13"/>
+                    </a:cxn>
+                    <a:cxn ang="0">
+                      <a:pos x="connsiteX14" y="connsiteY14"/>
+                    </a:cxn>
+                  </a:cxnLst>
+                  <a:rect l="l" t="t" r="r" b="b"/>
+                  <a:pathLst>
+                    <a:path w="259392" h="1474415">
+                      <a:moveTo>
+                        <a:pt x="14" y="18995"/>
+                      </a:moveTo>
+                      <a:cubicBezTo>
+                        <a:pt x="1284" y="49475"/>
+                        <a:pt x="111774" y="135835"/>
+                        <a:pt x="121934" y="209495"/>
+                      </a:cubicBezTo>
+                      <a:cubicBezTo>
+                        <a:pt x="132094" y="283155"/>
+                        <a:pt x="53354" y="374595"/>
+                        <a:pt x="60974" y="460955"/>
+                      </a:cubicBezTo>
+                      <a:cubicBezTo>
+                        <a:pt x="68594" y="547315"/>
+                        <a:pt x="176544" y="628595"/>
+                        <a:pt x="167654" y="727655"/>
+                      </a:cubicBezTo>
+                      <a:cubicBezTo>
+                        <a:pt x="158764" y="826715"/>
+                        <a:pt x="16524" y="951175"/>
+                        <a:pt x="7634" y="1055315"/>
+                      </a:cubicBezTo>
+                      <a:cubicBezTo>
+                        <a:pt x="-1256" y="1159455"/>
+                        <a:pt x="102884" y="1282645"/>
+                        <a:pt x="114314" y="1352495"/>
+                      </a:cubicBezTo>
+                      <a:cubicBezTo>
+                        <a:pt x="125744" y="1422345"/>
+                        <a:pt x="60974" y="1474415"/>
+                        <a:pt x="76214" y="1474415"/>
+                      </a:cubicBezTo>
+                      <a:cubicBezTo>
+                        <a:pt x="91454" y="1474415"/>
+                        <a:pt x="200674" y="1408375"/>
+                        <a:pt x="205754" y="1352495"/>
+                      </a:cubicBezTo>
+                      <a:cubicBezTo>
+                        <a:pt x="210834" y="1296615"/>
+                        <a:pt x="99074" y="1225495"/>
+                        <a:pt x="106694" y="1139135"/>
+                      </a:cubicBezTo>
+                      <a:cubicBezTo>
+                        <a:pt x="114314" y="1052775"/>
+                        <a:pt x="231154" y="934665"/>
+                        <a:pt x="251474" y="834335"/>
+                      </a:cubicBezTo>
+                      <a:cubicBezTo>
+                        <a:pt x="271794" y="734005"/>
+                        <a:pt x="248934" y="601925"/>
+                        <a:pt x="228614" y="537155"/>
+                      </a:cubicBezTo>
+                      <a:cubicBezTo>
+                        <a:pt x="208294" y="472385"/>
+                        <a:pt x="132094" y="497785"/>
+                        <a:pt x="129554" y="445715"/>
+                      </a:cubicBezTo>
+                      <a:cubicBezTo>
+                        <a:pt x="127014" y="393645"/>
+                        <a:pt x="215914" y="294585"/>
+                        <a:pt x="213374" y="224735"/>
+                      </a:cubicBezTo>
+                      <a:cubicBezTo>
+                        <a:pt x="210834" y="154885"/>
+                        <a:pt x="148604" y="55825"/>
+                        <a:pt x="114314" y="26615"/>
+                      </a:cubicBezTo>
+                      <a:cubicBezTo>
+                        <a:pt x="80024" y="-2595"/>
+                        <a:pt x="-1256" y="-11485"/>
+                        <a:pt x="14" y="18995"/>
+                      </a:cubicBezTo>
+                      <a:close/>
+                    </a:path>
+                  </a:pathLst>
+                </a:custGeom>
+                <a:solidFill>
+                  <a:srgbClr val="E6185D"/>
+                </a:solidFill>
+                <a:ln>
+                  <a:noFill/>
+                </a:ln>
+              </p:spPr>
+              <p:style>
+                <a:lnRef idx="2">
+                  <a:schemeClr val="accent1">
+                    <a:shade val="50000"/>
+                  </a:schemeClr>
+                </a:lnRef>
+                <a:fillRef idx="1">
+                  <a:schemeClr val="accent1"/>
+                </a:fillRef>
+                <a:effectRef idx="0">
+                  <a:schemeClr val="accent1"/>
+                </a:effectRef>
+                <a:fontRef idx="minor">
+                  <a:schemeClr val="lt1"/>
+                </a:fontRef>
+              </p:style>
+              <p:txBody>
+                <a:bodyPr rtlCol="0" anchor="ctr"/>
+                <a:lstStyle/>
+                <a:p>
+                  <a:pPr algn="ctr"/>
+                  <a:endParaRPr lang="pt-BR"/>
+                </a:p>
+              </p:txBody>
+            </p:sp>
+            <p:sp>
+              <p:nvSpPr>
+                <p:cNvPr id="42" name="Elipse 41"/>
+                <p:cNvSpPr/>
+                <p:nvPr/>
+              </p:nvSpPr>
+              <p:spPr>
+                <a:xfrm>
+                  <a:off x="5480833" y="3966303"/>
+                  <a:ext cx="288032" cy="234575"/>
+                </a:xfrm>
+                <a:prstGeom prst="ellipse">
+                  <a:avLst/>
+                </a:prstGeom>
+                <a:solidFill>
+                  <a:srgbClr val="EE588A"/>
+                </a:solidFill>
+                <a:ln>
+                  <a:noFill/>
+                </a:ln>
+              </p:spPr>
+              <p:style>
+                <a:lnRef idx="2">
+                  <a:schemeClr val="accent1">
+                    <a:shade val="50000"/>
+                  </a:schemeClr>
+                </a:lnRef>
+                <a:fillRef idx="1">
+                  <a:schemeClr val="accent1"/>
+                </a:fillRef>
+                <a:effectRef idx="0">
+                  <a:schemeClr val="accent1"/>
+                </a:effectRef>
+                <a:fontRef idx="minor">
+                  <a:schemeClr val="lt1"/>
+                </a:fontRef>
+              </p:style>
+              <p:txBody>
+                <a:bodyPr rtlCol="0" anchor="ctr"/>
+                <a:lstStyle/>
+                <a:p>
+                  <a:pPr algn="ctr"/>
+                  <a:endParaRPr lang="pt-BR"/>
+                </a:p>
+              </p:txBody>
+            </p:sp>
+            <p:sp>
+              <p:nvSpPr>
+                <p:cNvPr id="43" name="Elipse 42"/>
+                <p:cNvSpPr/>
+                <p:nvPr/>
+              </p:nvSpPr>
+              <p:spPr>
+                <a:xfrm rot="16200000">
+                  <a:off x="5156586" y="3318529"/>
+                  <a:ext cx="936526" cy="593598"/>
+                </a:xfrm>
+                <a:prstGeom prst="ellipse">
+                  <a:avLst/>
+                </a:prstGeom>
+                <a:solidFill>
+                  <a:srgbClr val="E6185D"/>
+                </a:solidFill>
+                <a:ln>
+                  <a:noFill/>
+                </a:ln>
+              </p:spPr>
+              <p:style>
+                <a:lnRef idx="2">
+                  <a:schemeClr val="accent1">
+                    <a:shade val="50000"/>
+                  </a:schemeClr>
+                </a:lnRef>
+                <a:fillRef idx="1">
+                  <a:schemeClr val="accent1"/>
+                </a:fillRef>
+                <a:effectRef idx="0">
+                  <a:schemeClr val="accent1"/>
+                </a:effectRef>
+                <a:fontRef idx="minor">
+                  <a:schemeClr val="lt1"/>
+                </a:fontRef>
+              </p:style>
+              <p:txBody>
+                <a:bodyPr rtlCol="0" anchor="ctr"/>
+                <a:lstStyle/>
+                <a:p>
+                  <a:pPr algn="ctr"/>
+                  <a:endParaRPr lang="pt-BR"/>
+                </a:p>
+              </p:txBody>
+            </p:sp>
+          </p:grpSp>
+        </p:grpSp>
+      </p:grpSp>
+    </p:spTree>
+    <p:extLst>
+      <p:ext uri="{BB962C8B-B14F-4D97-AF65-F5344CB8AC3E}">
+        <p14:creationId xmlns:p14="http://schemas.microsoft.com/office/powerpoint/2010/main" val="3259721650"/>
+      </p:ext>
+    </p:extLst>
+  </p:cSld>
+  <p:clrMapOvr>
+    <a:masterClrMapping/>
+  </p:clrMapOvr>
+</p:sld>
+</file>
+
+<file path=ppt/slides/slide2.xml><?xml version="1.0" encoding="utf-8"?>
 <p:sld xmlns:a="http://schemas.openxmlformats.org/drawingml/2006/main" xmlns:r="http://schemas.openxmlformats.org/officeDocument/2006/relationships" xmlns:p="http://schemas.openxmlformats.org/presentationml/2006/main">
   <p:cSld>
     <p:spTree>
@@ -4599,7 +6783,7 @@
 </p:sld>
 </file>
 
-<file path=ppt/slides/slide2.xml><?xml version="1.0" encoding="utf-8"?>
+<file path=ppt/slides/slide3.xml><?xml version="1.0" encoding="utf-8"?>
 <p:sld xmlns:a="http://schemas.openxmlformats.org/drawingml/2006/main" xmlns:r="http://schemas.openxmlformats.org/officeDocument/2006/relationships" xmlns:p="http://schemas.openxmlformats.org/presentationml/2006/main">
   <p:cSld>
     <p:spTree>
@@ -9509,7 +11693,7 @@
 </p:sld>
 </file>
 
-<file path=ppt/slides/slide3.xml><?xml version="1.0" encoding="utf-8"?>
+<file path=ppt/slides/slide4.xml><?xml version="1.0" encoding="utf-8"?>
 <p:sld xmlns:a="http://schemas.openxmlformats.org/drawingml/2006/main" xmlns:r="http://schemas.openxmlformats.org/officeDocument/2006/relationships" xmlns:p="http://schemas.openxmlformats.org/presentationml/2006/main">
   <p:cSld>
     <p:spTree>
@@ -10671,7 +12855,7 @@
 </p:sld>
 </file>
 
-<file path=ppt/slides/slide4.xml><?xml version="1.0" encoding="utf-8"?>
+<file path=ppt/slides/slide5.xml><?xml version="1.0" encoding="utf-8"?>
 <p:sld xmlns:a="http://schemas.openxmlformats.org/drawingml/2006/main" xmlns:r="http://schemas.openxmlformats.org/officeDocument/2006/relationships" xmlns:p="http://schemas.openxmlformats.org/presentationml/2006/main">
   <p:cSld>
     <p:spTree>
@@ -11425,7 +13609,7 @@
 </p:sld>
 </file>
 
-<file path=ppt/slides/slide5.xml><?xml version="1.0" encoding="utf-8"?>
+<file path=ppt/slides/slide6.xml><?xml version="1.0" encoding="utf-8"?>
 <p:sld xmlns:a="http://schemas.openxmlformats.org/drawingml/2006/main" xmlns:r="http://schemas.openxmlformats.org/officeDocument/2006/relationships" xmlns:p="http://schemas.openxmlformats.org/presentationml/2006/main">
   <p:cSld>
     <p:spTree>
